--- a/presentations/landing/Balogh_Istvan/Balogh_Istvan_prezentacio.pptx
+++ b/presentations/landing/Balogh_Istvan/Balogh_Istvan_prezentacio.pptx
@@ -230,7 +230,7 @@
           <a:p>
             <a:fld id="{BB8BF54A-E98C-461E-800A-FAB3850543EF}" type="datetimeFigureOut">
               <a:rPr lang="hu-HU" smtClean="0"/>
-              <a:t>2016.10.02.</a:t>
+              <a:t>2016.10.05.</a:t>
             </a:fld>
             <a:endParaRPr lang="hu-HU"/>
           </a:p>
@@ -729,7 +729,7 @@
           <a:p>
             <a:fld id="{C6E8B002-83F0-41C5-A7B7-2819A96BD9B2}" type="datetimeFigureOut">
               <a:rPr lang="hu-HU" smtClean="0"/>
-              <a:t>2016.10.02.</a:t>
+              <a:t>2016.10.05.</a:t>
             </a:fld>
             <a:endParaRPr lang="hu-HU"/>
           </a:p>
@@ -899,7 +899,7 @@
           <a:p>
             <a:fld id="{C6E8B002-83F0-41C5-A7B7-2819A96BD9B2}" type="datetimeFigureOut">
               <a:rPr lang="hu-HU" smtClean="0"/>
-              <a:t>2016.10.02.</a:t>
+              <a:t>2016.10.05.</a:t>
             </a:fld>
             <a:endParaRPr lang="hu-HU"/>
           </a:p>
@@ -1079,7 +1079,7 @@
           <a:p>
             <a:fld id="{C6E8B002-83F0-41C5-A7B7-2819A96BD9B2}" type="datetimeFigureOut">
               <a:rPr lang="hu-HU" smtClean="0"/>
-              <a:t>2016.10.02.</a:t>
+              <a:t>2016.10.05.</a:t>
             </a:fld>
             <a:endParaRPr lang="hu-HU"/>
           </a:p>
@@ -1249,7 +1249,7 @@
           <a:p>
             <a:fld id="{C6E8B002-83F0-41C5-A7B7-2819A96BD9B2}" type="datetimeFigureOut">
               <a:rPr lang="hu-HU" smtClean="0"/>
-              <a:t>2016.10.02.</a:t>
+              <a:t>2016.10.05.</a:t>
             </a:fld>
             <a:endParaRPr lang="hu-HU"/>
           </a:p>
@@ -1493,7 +1493,7 @@
           <a:p>
             <a:fld id="{C6E8B002-83F0-41C5-A7B7-2819A96BD9B2}" type="datetimeFigureOut">
               <a:rPr lang="hu-HU" smtClean="0"/>
-              <a:t>2016.10.02.</a:t>
+              <a:t>2016.10.05.</a:t>
             </a:fld>
             <a:endParaRPr lang="hu-HU"/>
           </a:p>
@@ -1725,7 +1725,7 @@
           <a:p>
             <a:fld id="{C6E8B002-83F0-41C5-A7B7-2819A96BD9B2}" type="datetimeFigureOut">
               <a:rPr lang="hu-HU" smtClean="0"/>
-              <a:t>2016.10.02.</a:t>
+              <a:t>2016.10.05.</a:t>
             </a:fld>
             <a:endParaRPr lang="hu-HU"/>
           </a:p>
@@ -2092,7 +2092,7 @@
           <a:p>
             <a:fld id="{C6E8B002-83F0-41C5-A7B7-2819A96BD9B2}" type="datetimeFigureOut">
               <a:rPr lang="hu-HU" smtClean="0"/>
-              <a:t>2016.10.02.</a:t>
+              <a:t>2016.10.05.</a:t>
             </a:fld>
             <a:endParaRPr lang="hu-HU"/>
           </a:p>
@@ -2210,7 +2210,7 @@
           <a:p>
             <a:fld id="{C6E8B002-83F0-41C5-A7B7-2819A96BD9B2}" type="datetimeFigureOut">
               <a:rPr lang="hu-HU" smtClean="0"/>
-              <a:t>2016.10.02.</a:t>
+              <a:t>2016.10.05.</a:t>
             </a:fld>
             <a:endParaRPr lang="hu-HU"/>
           </a:p>
@@ -2305,7 +2305,7 @@
           <a:p>
             <a:fld id="{C6E8B002-83F0-41C5-A7B7-2819A96BD9B2}" type="datetimeFigureOut">
               <a:rPr lang="hu-HU" smtClean="0"/>
-              <a:t>2016.10.02.</a:t>
+              <a:t>2016.10.05.</a:t>
             </a:fld>
             <a:endParaRPr lang="hu-HU"/>
           </a:p>
@@ -2582,7 +2582,7 @@
           <a:p>
             <a:fld id="{C6E8B002-83F0-41C5-A7B7-2819A96BD9B2}" type="datetimeFigureOut">
               <a:rPr lang="hu-HU" smtClean="0"/>
-              <a:t>2016.10.02.</a:t>
+              <a:t>2016.10.05.</a:t>
             </a:fld>
             <a:endParaRPr lang="hu-HU"/>
           </a:p>
@@ -2839,7 +2839,7 @@
           <a:p>
             <a:fld id="{C6E8B002-83F0-41C5-A7B7-2819A96BD9B2}" type="datetimeFigureOut">
               <a:rPr lang="hu-HU" smtClean="0"/>
-              <a:t>2016.10.02.</a:t>
+              <a:t>2016.10.05.</a:t>
             </a:fld>
             <a:endParaRPr lang="hu-HU"/>
           </a:p>
@@ -3059,7 +3059,7 @@
           <a:p>
             <a:fld id="{C6E8B002-83F0-41C5-A7B7-2819A96BD9B2}" type="datetimeFigureOut">
               <a:rPr lang="hu-HU" smtClean="0"/>
-              <a:t>2016.10.02.</a:t>
+              <a:t>2016.10.05.</a:t>
             </a:fld>
             <a:endParaRPr lang="hu-HU"/>
           </a:p>
@@ -3901,13 +3901,11 @@
           <a:p>
             <a:r>
               <a:rPr lang="hu-HU" dirty="0" smtClean="0"/>
-              <a:t>közös fejléc kialakítása</a:t>
-            </a:r>
-          </a:p>
-          <a:p>
+              <a:t>közös fejléc </a:t>
+            </a:r>
             <a:r>
               <a:rPr lang="hu-HU" dirty="0" smtClean="0"/>
-              <a:t>szolgáltatások elkészítése</a:t>
+              <a:t>kialakítása</a:t>
             </a:r>
           </a:p>
           <a:p>
@@ -3918,8 +3916,12 @@
           </a:p>
           <a:p>
             <a:r>
+              <a:rPr lang="hu-HU" dirty="0"/>
+              <a:t>bejelentkezett felhasználók </a:t>
+            </a:r>
+            <a:r>
               <a:rPr lang="hu-HU" dirty="0" smtClean="0"/>
-              <a:t>több nyelvű megjelenítés</a:t>
+              <a:t>kezelése</a:t>
             </a:r>
             <a:endParaRPr lang="hu-HU" dirty="0"/>
           </a:p>
@@ -4039,15 +4041,9 @@
         </p:spPr>
         <p:txBody>
           <a:bodyPr>
-            <a:normAutofit lnSpcReduction="10000"/>
+            <a:normAutofit/>
           </a:bodyPr>
           <a:lstStyle/>
-          <a:p>
-            <a:r>
-              <a:rPr lang="hu-HU" dirty="0" smtClean="0"/>
-              <a:t>bejelentkezett felhasználók kezelése</a:t>
-            </a:r>
-          </a:p>
           <a:p>
             <a:r>
               <a:rPr lang="hu-HU" dirty="0" err="1" smtClean="0"/>
@@ -4203,13 +4199,11 @@
           <a:p>
             <a:r>
               <a:rPr lang="hu-HU" dirty="0" smtClean="0"/>
-              <a:t>tranzakciós hiba</a:t>
-            </a:r>
-          </a:p>
-          <a:p>
+              <a:t>tranzakciós </a:t>
+            </a:r>
             <a:r>
               <a:rPr lang="hu-HU" dirty="0" smtClean="0"/>
-              <a:t>technológiák összehangolása</a:t>
+              <a:t>hiba</a:t>
             </a:r>
             <a:endParaRPr lang="hu-HU" dirty="0"/>
           </a:p>
@@ -5235,6 +5229,15 @@
 </file>
 
 <file path=customXml/item2.xml><?xml version="1.0" encoding="utf-8"?>
+<?mso-contentType ?>
+<FormTemplates xmlns="http://schemas.microsoft.com/sharepoint/v3/contenttype/forms">
+  <Display>DocumentLibraryForm</Display>
+  <Edit>DocumentLibraryForm</Edit>
+  <New>DocumentLibraryForm</New>
+</FormTemplates>
+</file>
+
+<file path=customXml/item3.xml><?xml version="1.0" encoding="utf-8"?>
 <ct:contentTypeSchema xmlns:ct="http://schemas.microsoft.com/office/2006/metadata/contentType" xmlns:ma="http://schemas.microsoft.com/office/2006/metadata/properties/metaAttributes" ct:_="" ma:_="" ma:contentTypeName="Dokumentum" ma:contentTypeID="0x010100AC862C676857C24E8FC2D32B30708833" ma:contentTypeVersion="2" ma:contentTypeDescription="Új dokumentum létrehozása." ma:contentTypeScope="" ma:versionID="0d2981163f66270cf1daba8c3c407cc5">
   <xsd:schema xmlns:xsd="http://www.w3.org/2001/XMLSchema" xmlns:xs="http://www.w3.org/2001/XMLSchema" xmlns:p="http://schemas.microsoft.com/office/2006/metadata/properties" xmlns:ns2="9a324a02-be43-499b-8089-7896e70993e7" targetNamespace="http://schemas.microsoft.com/office/2006/metadata/properties" ma:root="true" ma:fieldsID="4ce273e9ed9981a51826152e27a7d1ee" ns2:_="">
     <xsd:import namespace="9a324a02-be43-499b-8089-7896e70993e7"/>
@@ -5382,15 +5385,6 @@
 </ct:contentTypeSchema>
 </file>
 
-<file path=customXml/item3.xml><?xml version="1.0" encoding="utf-8"?>
-<?mso-contentType ?>
-<FormTemplates xmlns="http://schemas.microsoft.com/sharepoint/v3/contenttype/forms">
-  <Display>DocumentLibraryForm</Display>
-  <Edit>DocumentLibraryForm</Edit>
-  <New>DocumentLibraryForm</New>
-</FormTemplates>
-</file>
-
 <file path=customXml/itemProps1.xml><?xml version="1.0" encoding="utf-8"?>
 <ds:datastoreItem xmlns:ds="http://schemas.openxmlformats.org/officeDocument/2006/customXml" ds:itemID="{8E1455B4-EFFE-4AEE-ADC2-FE51D16F6234}">
   <ds:schemaRefs>
@@ -5408,6 +5402,14 @@
 </file>
 
 <file path=customXml/itemProps2.xml><?xml version="1.0" encoding="utf-8"?>
+<ds:datastoreItem xmlns:ds="http://schemas.openxmlformats.org/officeDocument/2006/customXml" ds:itemID="{166AD069-051C-46FD-A0CD-BDE143FEA57D}">
+  <ds:schemaRefs>
+    <ds:schemaRef ds:uri="http://schemas.microsoft.com/sharepoint/v3/contenttype/forms"/>
+  </ds:schemaRefs>
+</ds:datastoreItem>
+</file>
+
+<file path=customXml/itemProps3.xml><?xml version="1.0" encoding="utf-8"?>
 <ds:datastoreItem xmlns:ds="http://schemas.openxmlformats.org/officeDocument/2006/customXml" ds:itemID="{37D0467E-9D91-4319-91FD-90E168EBF15D}">
   <ds:schemaRefs>
     <ds:schemaRef ds:uri="http://schemas.microsoft.com/office/2006/metadata/contentType"/>
@@ -5423,12 +5425,4 @@
     <ds:schemaRef ds:uri="http://schemas.microsoft.com/internal/obd"/>
   </ds:schemaRefs>
 </ds:datastoreItem>
-</file>
-
-<file path=customXml/itemProps3.xml><?xml version="1.0" encoding="utf-8"?>
-<ds:datastoreItem xmlns:ds="http://schemas.openxmlformats.org/officeDocument/2006/customXml" ds:itemID="{166AD069-051C-46FD-A0CD-BDE143FEA57D}">
-  <ds:schemaRefs>
-    <ds:schemaRef ds:uri="http://schemas.microsoft.com/sharepoint/v3/contenttype/forms"/>
-  </ds:schemaRefs>
-</ds:datastoreItem>
 </file>
--- a/presentations/landing/Balogh_Istvan/Balogh_Istvan_prezentacio.pptx
+++ b/presentations/landing/Balogh_Istvan/Balogh_Istvan_prezentacio.pptx
@@ -5,17 +5,19 @@
     <p:sldMasterId id="2147483660" r:id="rId4"/>
   </p:sldMasterIdLst>
   <p:notesMasterIdLst>
-    <p:notesMasterId r:id="rId13"/>
+    <p:notesMasterId r:id="rId15"/>
   </p:notesMasterIdLst>
   <p:sldIdLst>
     <p:sldId id="257" r:id="rId5"/>
     <p:sldId id="256" r:id="rId6"/>
-    <p:sldId id="259" r:id="rId7"/>
-    <p:sldId id="260" r:id="rId8"/>
-    <p:sldId id="261" r:id="rId9"/>
-    <p:sldId id="262" r:id="rId10"/>
-    <p:sldId id="263" r:id="rId11"/>
-    <p:sldId id="258" r:id="rId12"/>
+    <p:sldId id="264" r:id="rId7"/>
+    <p:sldId id="265" r:id="rId8"/>
+    <p:sldId id="259" r:id="rId9"/>
+    <p:sldId id="260" r:id="rId10"/>
+    <p:sldId id="261" r:id="rId11"/>
+    <p:sldId id="262" r:id="rId12"/>
+    <p:sldId id="263" r:id="rId13"/>
+    <p:sldId id="258" r:id="rId14"/>
   </p:sldIdLst>
   <p:sldSz cx="9144000" cy="5143500" type="screen16x9"/>
   <p:notesSz cx="6858000" cy="9144000"/>
@@ -230,7 +232,7 @@
           <a:p>
             <a:fld id="{BB8BF54A-E98C-461E-800A-FAB3850543EF}" type="datetimeFigureOut">
               <a:rPr lang="hu-HU" smtClean="0"/>
-              <a:t>2016.10.05.</a:t>
+              <a:t>2016.10.10.</a:t>
             </a:fld>
             <a:endParaRPr lang="hu-HU"/>
           </a:p>
@@ -542,6 +544,420 @@
           <a:bodyPr/>
           <a:lstStyle/>
           <a:p>
+            <a:pPr marL="0" indent="0">
+              <a:buFontTx/>
+              <a:buNone/>
+            </a:pPr>
+            <a:r>
+              <a:rPr lang="hu-HU" baseline="0" dirty="0" smtClean="0"/>
+              <a:t>*Bemutatkozás*</a:t>
+            </a:r>
+          </a:p>
+        </p:txBody>
+      </p:sp>
+      <p:sp>
+        <p:nvSpPr>
+          <p:cNvPr id="4" name="Dia számának helye 3"/>
+          <p:cNvSpPr>
+            <a:spLocks noGrp="1"/>
+          </p:cNvSpPr>
+          <p:nvPr>
+            <p:ph type="sldNum" sz="quarter" idx="10"/>
+          </p:nvPr>
+        </p:nvSpPr>
+        <p:spPr/>
+        <p:txBody>
+          <a:bodyPr/>
+          <a:lstStyle/>
+          <a:p>
+            <a:fld id="{1D7A0DFA-D9E6-473A-B496-9FB0D8879C20}" type="slidenum">
+              <a:rPr lang="hu-HU" smtClean="0"/>
+              <a:t>2</a:t>
+            </a:fld>
+            <a:endParaRPr lang="hu-HU"/>
+          </a:p>
+        </p:txBody>
+      </p:sp>
+    </p:spTree>
+    <p:extLst>
+      <p:ext uri="{BB962C8B-B14F-4D97-AF65-F5344CB8AC3E}">
+        <p14:creationId xmlns:p14="http://schemas.microsoft.com/office/powerpoint/2010/main" val="3698103378"/>
+      </p:ext>
+    </p:extLst>
+  </p:cSld>
+  <p:clrMapOvr>
+    <a:masterClrMapping/>
+  </p:clrMapOvr>
+</p:notes>
+</file>
+
+<file path=ppt/notesSlides/notesSlide2.xml><?xml version="1.0" encoding="utf-8"?>
+<p:notes xmlns:a="http://schemas.openxmlformats.org/drawingml/2006/main" xmlns:r="http://schemas.openxmlformats.org/officeDocument/2006/relationships" xmlns:p="http://schemas.openxmlformats.org/presentationml/2006/main">
+  <p:cSld>
+    <p:spTree>
+      <p:nvGrpSpPr>
+        <p:cNvPr id="1" name=""/>
+        <p:cNvGrpSpPr/>
+        <p:nvPr/>
+      </p:nvGrpSpPr>
+      <p:grpSpPr>
+        <a:xfrm>
+          <a:off x="0" y="0"/>
+          <a:ext cx="0" cy="0"/>
+          <a:chOff x="0" y="0"/>
+          <a:chExt cx="0" cy="0"/>
+        </a:xfrm>
+      </p:grpSpPr>
+      <p:sp>
+        <p:nvSpPr>
+          <p:cNvPr id="2" name="Diakép helye 1"/>
+          <p:cNvSpPr>
+            <a:spLocks noGrp="1" noRot="1" noChangeAspect="1"/>
+          </p:cNvSpPr>
+          <p:nvPr>
+            <p:ph type="sldImg"/>
+          </p:nvPr>
+        </p:nvSpPr>
+        <p:spPr/>
+      </p:sp>
+      <p:sp>
+        <p:nvSpPr>
+          <p:cNvPr id="3" name="Jegyzetek helye 2"/>
+          <p:cNvSpPr>
+            <a:spLocks noGrp="1"/>
+          </p:cNvSpPr>
+          <p:nvPr>
+            <p:ph type="body" idx="1"/>
+          </p:nvPr>
+        </p:nvSpPr>
+        <p:spPr/>
+        <p:txBody>
+          <a:bodyPr/>
+          <a:lstStyle/>
+          <a:p>
+            <a:r>
+              <a:rPr lang="hu-HU" dirty="0" smtClean="0"/>
+              <a:t>Az 5 hetes projektmunkánk</a:t>
+            </a:r>
+            <a:r>
+              <a:rPr lang="hu-HU" baseline="0" dirty="0" smtClean="0"/>
+              <a:t> során egy olyan </a:t>
+            </a:r>
+            <a:r>
+              <a:rPr lang="hu-HU" baseline="0" dirty="0" err="1" smtClean="0"/>
+              <a:t>webalkalmazáson</a:t>
+            </a:r>
+            <a:r>
+              <a:rPr lang="hu-HU" baseline="0" dirty="0" smtClean="0"/>
+              <a:t> dolgoztunk, amely három lazán kapcsolt modulból épül fel. A modulok három különálló szoftvert alkotnak, külön adatbázissal rendelkeznek, de együtt alkotják a </a:t>
+            </a:r>
+            <a:r>
+              <a:rPr lang="hu-HU" baseline="0" dirty="0" err="1" smtClean="0"/>
+              <a:t>ConOrg</a:t>
+            </a:r>
+            <a:r>
+              <a:rPr lang="hu-HU" baseline="0" dirty="0" smtClean="0"/>
+              <a:t> alkalmazást.</a:t>
+            </a:r>
+          </a:p>
+          <a:p>
+            <a:endParaRPr lang="hu-HU" baseline="0" dirty="0" smtClean="0"/>
+          </a:p>
+          <a:p>
+            <a:pPr marL="171450" indent="-171450">
+              <a:buFontTx/>
+              <a:buChar char="-"/>
+            </a:pPr>
+            <a:r>
+              <a:rPr lang="hu-HU" baseline="0" dirty="0" smtClean="0"/>
+              <a:t>A „</a:t>
+            </a:r>
+            <a:r>
+              <a:rPr lang="hu-HU" baseline="0" dirty="0" err="1" smtClean="0"/>
+              <a:t>Landing</a:t>
+            </a:r>
+            <a:r>
+              <a:rPr lang="hu-HU" baseline="0" dirty="0" smtClean="0"/>
+              <a:t> Team”, amelynek én is tagja voltam, a </a:t>
+            </a:r>
+            <a:r>
+              <a:rPr lang="hu-HU" baseline="0" dirty="0" err="1" smtClean="0"/>
+              <a:t>Landing</a:t>
+            </a:r>
+            <a:r>
+              <a:rPr lang="hu-HU" baseline="0" dirty="0" smtClean="0"/>
+              <a:t> modulon dolgozott, amely adminisztratív feladatokat lát el: felhasználók regisztrációja, SSO (azaz egyszeri bejelentkezés), jogosultságok kezelése a lapok megtekintésére.</a:t>
+            </a:r>
+          </a:p>
+          <a:p>
+            <a:pPr marL="171450" marR="0" lvl="0" indent="-171450" algn="l" defTabSz="914400" rtl="0" eaLnBrk="1" fontAlgn="auto" latinLnBrk="0" hangingPunct="1">
+              <a:lnSpc>
+                <a:spcPct val="100000"/>
+              </a:lnSpc>
+              <a:spcBef>
+                <a:spcPts val="0"/>
+              </a:spcBef>
+              <a:spcAft>
+                <a:spcPts val="0"/>
+              </a:spcAft>
+              <a:buClrTx/>
+              <a:buSzTx/>
+              <a:buFontTx/>
+              <a:buChar char="-"/>
+              <a:tabLst/>
+              <a:defRPr/>
+            </a:pPr>
+            <a:r>
+              <a:rPr lang="hu-HU" baseline="0" dirty="0" smtClean="0"/>
+              <a:t>A Band modul funkciója, </a:t>
+            </a:r>
+            <a:r>
+              <a:rPr lang="hu-HU" sz="1200" kern="1200" dirty="0" smtClean="0">
+                <a:solidFill>
+                  <a:schemeClr val="tx1"/>
+                </a:solidFill>
+                <a:effectLst/>
+                <a:latin typeface="+mn-lt"/>
+                <a:ea typeface="+mn-ea"/>
+                <a:cs typeface="+mn-cs"/>
+              </a:rPr>
+              <a:t>hogy a rendszerbe regisztrált zenekarok kezelhessék publikus profiljukat,</a:t>
+            </a:r>
+            <a:r>
+              <a:rPr lang="hu-HU" sz="1200" kern="1200" baseline="0" dirty="0" smtClean="0">
+                <a:solidFill>
+                  <a:schemeClr val="tx1"/>
+                </a:solidFill>
+                <a:effectLst/>
+                <a:latin typeface="+mn-lt"/>
+                <a:ea typeface="+mn-ea"/>
+                <a:cs typeface="+mn-cs"/>
+              </a:rPr>
+              <a:t> míg a </a:t>
+            </a:r>
+            <a:r>
+              <a:rPr lang="hu-HU" sz="1200" kern="1200" baseline="0" dirty="0" err="1" smtClean="0">
+                <a:solidFill>
+                  <a:schemeClr val="tx1"/>
+                </a:solidFill>
+                <a:effectLst/>
+                <a:latin typeface="+mn-lt"/>
+                <a:ea typeface="+mn-ea"/>
+                <a:cs typeface="+mn-cs"/>
+              </a:rPr>
+              <a:t>Venue</a:t>
+            </a:r>
+            <a:r>
+              <a:rPr lang="hu-HU" sz="1200" kern="1200" baseline="0" dirty="0" smtClean="0">
+                <a:solidFill>
+                  <a:schemeClr val="tx1"/>
+                </a:solidFill>
+                <a:effectLst/>
+                <a:latin typeface="+mn-lt"/>
+                <a:ea typeface="+mn-ea"/>
+                <a:cs typeface="+mn-cs"/>
+              </a:rPr>
+              <a:t> modulban a hasonlóan a szórakozóhelyként való regisztrációra van lehetőség.</a:t>
+            </a:r>
+            <a:endParaRPr lang="hu-HU" sz="1200" kern="1200" dirty="0" smtClean="0">
+              <a:solidFill>
+                <a:schemeClr val="tx1"/>
+              </a:solidFill>
+              <a:effectLst/>
+              <a:latin typeface="+mn-lt"/>
+              <a:ea typeface="+mn-ea"/>
+              <a:cs typeface="+mn-cs"/>
+            </a:endParaRPr>
+          </a:p>
+          <a:p>
+            <a:pPr marL="171450" indent="-171450">
+              <a:buFontTx/>
+              <a:buChar char="-"/>
+            </a:pPr>
+            <a:endParaRPr lang="hu-HU" baseline="0" dirty="0" smtClean="0"/>
+          </a:p>
+        </p:txBody>
+      </p:sp>
+      <p:sp>
+        <p:nvSpPr>
+          <p:cNvPr id="4" name="Dia számának helye 3"/>
+          <p:cNvSpPr>
+            <a:spLocks noGrp="1"/>
+          </p:cNvSpPr>
+          <p:nvPr>
+            <p:ph type="sldNum" sz="quarter" idx="10"/>
+          </p:nvPr>
+        </p:nvSpPr>
+        <p:spPr/>
+        <p:txBody>
+          <a:bodyPr/>
+          <a:lstStyle/>
+          <a:p>
+            <a:fld id="{1D7A0DFA-D9E6-473A-B496-9FB0D8879C20}" type="slidenum">
+              <a:rPr lang="hu-HU" smtClean="0"/>
+              <a:t>3</a:t>
+            </a:fld>
+            <a:endParaRPr lang="hu-HU"/>
+          </a:p>
+        </p:txBody>
+      </p:sp>
+    </p:spTree>
+    <p:extLst>
+      <p:ext uri="{BB962C8B-B14F-4D97-AF65-F5344CB8AC3E}">
+        <p14:creationId xmlns:p14="http://schemas.microsoft.com/office/powerpoint/2010/main" val="845835205"/>
+      </p:ext>
+    </p:extLst>
+  </p:cSld>
+  <p:clrMapOvr>
+    <a:masterClrMapping/>
+  </p:clrMapOvr>
+</p:notes>
+</file>
+
+<file path=ppt/notesSlides/notesSlide3.xml><?xml version="1.0" encoding="utf-8"?>
+<p:notes xmlns:a="http://schemas.openxmlformats.org/drawingml/2006/main" xmlns:r="http://schemas.openxmlformats.org/officeDocument/2006/relationships" xmlns:p="http://schemas.openxmlformats.org/presentationml/2006/main">
+  <p:cSld>
+    <p:spTree>
+      <p:nvGrpSpPr>
+        <p:cNvPr id="1" name=""/>
+        <p:cNvGrpSpPr/>
+        <p:nvPr/>
+      </p:nvGrpSpPr>
+      <p:grpSpPr>
+        <a:xfrm>
+          <a:off x="0" y="0"/>
+          <a:ext cx="0" cy="0"/>
+          <a:chOff x="0" y="0"/>
+          <a:chExt cx="0" cy="0"/>
+        </a:xfrm>
+      </p:grpSpPr>
+      <p:sp>
+        <p:nvSpPr>
+          <p:cNvPr id="2" name="Diakép helye 1"/>
+          <p:cNvSpPr>
+            <a:spLocks noGrp="1" noRot="1" noChangeAspect="1"/>
+          </p:cNvSpPr>
+          <p:nvPr>
+            <p:ph type="sldImg"/>
+          </p:nvPr>
+        </p:nvSpPr>
+        <p:spPr/>
+      </p:sp>
+      <p:sp>
+        <p:nvSpPr>
+          <p:cNvPr id="3" name="Jegyzetek helye 2"/>
+          <p:cNvSpPr>
+            <a:spLocks noGrp="1"/>
+          </p:cNvSpPr>
+          <p:nvPr>
+            <p:ph type="body" idx="1"/>
+          </p:nvPr>
+        </p:nvSpPr>
+        <p:spPr/>
+        <p:txBody>
+          <a:bodyPr/>
+          <a:lstStyle/>
+          <a:p>
+            <a:r>
+              <a:rPr lang="hu-HU" dirty="0" smtClean="0"/>
+              <a:t>Az</a:t>
+            </a:r>
+            <a:r>
+              <a:rPr lang="hu-HU" baseline="0" dirty="0" smtClean="0"/>
+              <a:t> öt hét során számos technológiát alkalmaztunk, például verziókezelésre </a:t>
+            </a:r>
+            <a:r>
+              <a:rPr lang="hu-HU" baseline="0" dirty="0" err="1" smtClean="0"/>
+              <a:t>GitHubot</a:t>
+            </a:r>
+            <a:r>
+              <a:rPr lang="hu-HU" baseline="0" dirty="0" smtClean="0"/>
+              <a:t>, a munkafolyamatok modellezésére pedig KANBAN metodológiát használtunk.</a:t>
+            </a:r>
+            <a:endParaRPr lang="hu-HU" dirty="0"/>
+          </a:p>
+        </p:txBody>
+      </p:sp>
+      <p:sp>
+        <p:nvSpPr>
+          <p:cNvPr id="4" name="Dia számának helye 3"/>
+          <p:cNvSpPr>
+            <a:spLocks noGrp="1"/>
+          </p:cNvSpPr>
+          <p:nvPr>
+            <p:ph type="sldNum" sz="quarter" idx="10"/>
+          </p:nvPr>
+        </p:nvSpPr>
+        <p:spPr/>
+        <p:txBody>
+          <a:bodyPr/>
+          <a:lstStyle/>
+          <a:p>
+            <a:fld id="{1D7A0DFA-D9E6-473A-B496-9FB0D8879C20}" type="slidenum">
+              <a:rPr lang="hu-HU" smtClean="0"/>
+              <a:t>4</a:t>
+            </a:fld>
+            <a:endParaRPr lang="hu-HU"/>
+          </a:p>
+        </p:txBody>
+      </p:sp>
+    </p:spTree>
+    <p:extLst>
+      <p:ext uri="{BB962C8B-B14F-4D97-AF65-F5344CB8AC3E}">
+        <p14:creationId xmlns:p14="http://schemas.microsoft.com/office/powerpoint/2010/main" val="161731525"/>
+      </p:ext>
+    </p:extLst>
+  </p:cSld>
+  <p:clrMapOvr>
+    <a:masterClrMapping/>
+  </p:clrMapOvr>
+</p:notes>
+</file>
+
+<file path=ppt/notesSlides/notesSlide4.xml><?xml version="1.0" encoding="utf-8"?>
+<p:notes xmlns:a="http://schemas.openxmlformats.org/drawingml/2006/main" xmlns:r="http://schemas.openxmlformats.org/officeDocument/2006/relationships" xmlns:p="http://schemas.openxmlformats.org/presentationml/2006/main">
+  <p:cSld>
+    <p:spTree>
+      <p:nvGrpSpPr>
+        <p:cNvPr id="1" name=""/>
+        <p:cNvGrpSpPr/>
+        <p:nvPr/>
+      </p:nvGrpSpPr>
+      <p:grpSpPr>
+        <a:xfrm>
+          <a:off x="0" y="0"/>
+          <a:ext cx="0" cy="0"/>
+          <a:chOff x="0" y="0"/>
+          <a:chExt cx="0" cy="0"/>
+        </a:xfrm>
+      </p:grpSpPr>
+      <p:sp>
+        <p:nvSpPr>
+          <p:cNvPr id="2" name="Diakép helye 1"/>
+          <p:cNvSpPr>
+            <a:spLocks noGrp="1" noRot="1" noChangeAspect="1"/>
+          </p:cNvSpPr>
+          <p:nvPr>
+            <p:ph type="sldImg"/>
+          </p:nvPr>
+        </p:nvSpPr>
+        <p:spPr/>
+      </p:sp>
+      <p:sp>
+        <p:nvSpPr>
+          <p:cNvPr id="3" name="Jegyzetek helye 2"/>
+          <p:cNvSpPr>
+            <a:spLocks noGrp="1"/>
+          </p:cNvSpPr>
+          <p:nvPr>
+            <p:ph type="body" idx="1"/>
+          </p:nvPr>
+        </p:nvSpPr>
+        <p:spPr/>
+        <p:txBody>
+          <a:bodyPr/>
+          <a:lstStyle/>
+          <a:p>
             <a:r>
               <a:rPr lang="hu-HU" dirty="0" smtClean="0"/>
               <a:t>A projekt kezdésének napján, a csapatok felosztását követően</a:t>
@@ -556,7 +972,15 @@
             </a:r>
             <a:r>
               <a:rPr lang="hu-HU" baseline="0" dirty="0" smtClean="0"/>
-              <a:t> asztalt körbeülve mindegyik csapat elkészítette a modulja alapjait. Ezt követően azonban hamar megtört a kezdeti lendület, rengeteg kérdés fogalmazódott meg bennünk az első napokban. Azonban miután ezekre válaszokat kaptunk oktatóinktól, beindult az aktív munka.</a:t>
+              <a:t> asztalt körbeülve mindegyik csapat elkészítette a </a:t>
+            </a:r>
+            <a:r>
+              <a:rPr lang="hu-HU" baseline="0" dirty="0" smtClean="0"/>
+              <a:t>saját modulja </a:t>
+            </a:r>
+            <a:r>
+              <a:rPr lang="hu-HU" baseline="0" dirty="0" smtClean="0"/>
+              <a:t>alapjait. Ezt követően azonban hamar megtört a kezdeti lendület, rengeteg kérdés fogalmazódott meg bennünk az első napokban. Azonban miután ezekre válaszokat kaptunk oktatóinktól, beindult az aktív munka.</a:t>
             </a:r>
             <a:endParaRPr lang="hu-HU" dirty="0"/>
           </a:p>
@@ -579,7 +1003,7 @@
           <a:p>
             <a:fld id="{1D7A0DFA-D9E6-473A-B496-9FB0D8879C20}" type="slidenum">
               <a:rPr lang="hu-HU" smtClean="0"/>
-              <a:t>3</a:t>
+              <a:t>5</a:t>
             </a:fld>
             <a:endParaRPr lang="hu-HU"/>
           </a:p>
@@ -729,7 +1153,7 @@
           <a:p>
             <a:fld id="{C6E8B002-83F0-41C5-A7B7-2819A96BD9B2}" type="datetimeFigureOut">
               <a:rPr lang="hu-HU" smtClean="0"/>
-              <a:t>2016.10.05.</a:t>
+              <a:t>2016.10.10.</a:t>
             </a:fld>
             <a:endParaRPr lang="hu-HU"/>
           </a:p>
@@ -899,7 +1323,7 @@
           <a:p>
             <a:fld id="{C6E8B002-83F0-41C5-A7B7-2819A96BD9B2}" type="datetimeFigureOut">
               <a:rPr lang="hu-HU" smtClean="0"/>
-              <a:t>2016.10.05.</a:t>
+              <a:t>2016.10.10.</a:t>
             </a:fld>
             <a:endParaRPr lang="hu-HU"/>
           </a:p>
@@ -1079,7 +1503,7 @@
           <a:p>
             <a:fld id="{C6E8B002-83F0-41C5-A7B7-2819A96BD9B2}" type="datetimeFigureOut">
               <a:rPr lang="hu-HU" smtClean="0"/>
-              <a:t>2016.10.05.</a:t>
+              <a:t>2016.10.10.</a:t>
             </a:fld>
             <a:endParaRPr lang="hu-HU"/>
           </a:p>
@@ -1249,7 +1673,7 @@
           <a:p>
             <a:fld id="{C6E8B002-83F0-41C5-A7B7-2819A96BD9B2}" type="datetimeFigureOut">
               <a:rPr lang="hu-HU" smtClean="0"/>
-              <a:t>2016.10.05.</a:t>
+              <a:t>2016.10.10.</a:t>
             </a:fld>
             <a:endParaRPr lang="hu-HU"/>
           </a:p>
@@ -1493,7 +1917,7 @@
           <a:p>
             <a:fld id="{C6E8B002-83F0-41C5-A7B7-2819A96BD9B2}" type="datetimeFigureOut">
               <a:rPr lang="hu-HU" smtClean="0"/>
-              <a:t>2016.10.05.</a:t>
+              <a:t>2016.10.10.</a:t>
             </a:fld>
             <a:endParaRPr lang="hu-HU"/>
           </a:p>
@@ -1725,7 +2149,7 @@
           <a:p>
             <a:fld id="{C6E8B002-83F0-41C5-A7B7-2819A96BD9B2}" type="datetimeFigureOut">
               <a:rPr lang="hu-HU" smtClean="0"/>
-              <a:t>2016.10.05.</a:t>
+              <a:t>2016.10.10.</a:t>
             </a:fld>
             <a:endParaRPr lang="hu-HU"/>
           </a:p>
@@ -2092,7 +2516,7 @@
           <a:p>
             <a:fld id="{C6E8B002-83F0-41C5-A7B7-2819A96BD9B2}" type="datetimeFigureOut">
               <a:rPr lang="hu-HU" smtClean="0"/>
-              <a:t>2016.10.05.</a:t>
+              <a:t>2016.10.10.</a:t>
             </a:fld>
             <a:endParaRPr lang="hu-HU"/>
           </a:p>
@@ -2210,7 +2634,7 @@
           <a:p>
             <a:fld id="{C6E8B002-83F0-41C5-A7B7-2819A96BD9B2}" type="datetimeFigureOut">
               <a:rPr lang="hu-HU" smtClean="0"/>
-              <a:t>2016.10.05.</a:t>
+              <a:t>2016.10.10.</a:t>
             </a:fld>
             <a:endParaRPr lang="hu-HU"/>
           </a:p>
@@ -2305,7 +2729,7 @@
           <a:p>
             <a:fld id="{C6E8B002-83F0-41C5-A7B7-2819A96BD9B2}" type="datetimeFigureOut">
               <a:rPr lang="hu-HU" smtClean="0"/>
-              <a:t>2016.10.05.</a:t>
+              <a:t>2016.10.10.</a:t>
             </a:fld>
             <a:endParaRPr lang="hu-HU"/>
           </a:p>
@@ -2582,7 +3006,7 @@
           <a:p>
             <a:fld id="{C6E8B002-83F0-41C5-A7B7-2819A96BD9B2}" type="datetimeFigureOut">
               <a:rPr lang="hu-HU" smtClean="0"/>
-              <a:t>2016.10.05.</a:t>
+              <a:t>2016.10.10.</a:t>
             </a:fld>
             <a:endParaRPr lang="hu-HU"/>
           </a:p>
@@ -2839,7 +3263,7 @@
           <a:p>
             <a:fld id="{C6E8B002-83F0-41C5-A7B7-2819A96BD9B2}" type="datetimeFigureOut">
               <a:rPr lang="hu-HU" smtClean="0"/>
-              <a:t>2016.10.05.</a:t>
+              <a:t>2016.10.10.</a:t>
             </a:fld>
             <a:endParaRPr lang="hu-HU"/>
           </a:p>
@@ -3059,7 +3483,7 @@
           <a:p>
             <a:fld id="{C6E8B002-83F0-41C5-A7B7-2819A96BD9B2}" type="datetimeFigureOut">
               <a:rPr lang="hu-HU" smtClean="0"/>
-              <a:t>2016.10.05.</a:t>
+              <a:t>2016.10.10.</a:t>
             </a:fld>
             <a:endParaRPr lang="hu-HU"/>
           </a:p>
@@ -3544,893 +3968,7 @@
 </p:sld>
 </file>
 
-<file path=ppt/slides/slide2.xml><?xml version="1.0" encoding="utf-8"?>
-<p:sld xmlns:a="http://schemas.openxmlformats.org/drawingml/2006/main" xmlns:r="http://schemas.openxmlformats.org/officeDocument/2006/relationships" xmlns:p="http://schemas.openxmlformats.org/presentationml/2006/main">
-  <p:cSld>
-    <p:spTree>
-      <p:nvGrpSpPr>
-        <p:cNvPr id="1" name=""/>
-        <p:cNvGrpSpPr/>
-        <p:nvPr/>
-      </p:nvGrpSpPr>
-      <p:grpSpPr>
-        <a:xfrm>
-          <a:off x="0" y="0"/>
-          <a:ext cx="0" cy="0"/>
-          <a:chOff x="0" y="0"/>
-          <a:chExt cx="0" cy="0"/>
-        </a:xfrm>
-      </p:grpSpPr>
-      <p:sp>
-        <p:nvSpPr>
-          <p:cNvPr id="2" name="Cím 1"/>
-          <p:cNvSpPr>
-            <a:spLocks noGrp="1"/>
-          </p:cNvSpPr>
-          <p:nvPr>
-            <p:ph type="ctrTitle"/>
-          </p:nvPr>
-        </p:nvSpPr>
-        <p:spPr>
-          <a:xfrm>
-            <a:off x="7521394" y="67963"/>
-            <a:ext cx="1548465" cy="583469"/>
-          </a:xfrm>
-        </p:spPr>
-        <p:txBody>
-          <a:bodyPr>
-            <a:normAutofit fontScale="90000"/>
-          </a:bodyPr>
-          <a:lstStyle/>
-          <a:p>
-            <a:r>
-              <a:rPr lang="hu-HU" sz="1800" dirty="0" smtClean="0"/>
-              <a:t>A prezentáció címe ide jön</a:t>
-            </a:r>
-            <a:endParaRPr lang="hu-HU" sz="1800" dirty="0"/>
-          </a:p>
-        </p:txBody>
-      </p:sp>
-      <p:pic>
-        <p:nvPicPr>
-          <p:cNvPr id="5" name="Kép 4"/>
-          <p:cNvPicPr>
-            <a:picLocks noChangeAspect="1"/>
-          </p:cNvPicPr>
-          <p:nvPr/>
-        </p:nvPicPr>
-        <p:blipFill>
-          <a:blip r:embed="rId2" cstate="print">
-            <a:extLst>
-              <a:ext uri="{28A0092B-C50C-407E-A947-70E740481C1C}">
-                <a14:useLocalDpi xmlns:a14="http://schemas.microsoft.com/office/drawing/2010/main" val="0"/>
-              </a:ext>
-            </a:extLst>
-          </a:blip>
-          <a:stretch>
-            <a:fillRect/>
-          </a:stretch>
-        </p:blipFill>
-        <p:spPr>
-          <a:xfrm>
-            <a:off x="5301575" y="1391055"/>
-            <a:ext cx="1881385" cy="2800345"/>
-          </a:xfrm>
-          <a:prstGeom prst="rect">
-            <a:avLst/>
-          </a:prstGeom>
-        </p:spPr>
-      </p:pic>
-      <p:sp>
-        <p:nvSpPr>
-          <p:cNvPr id="7" name="Szövegdoboz 6"/>
-          <p:cNvSpPr txBox="1"/>
-          <p:nvPr/>
-        </p:nvSpPr>
-        <p:spPr>
-          <a:xfrm>
-            <a:off x="846306" y="2280525"/>
-            <a:ext cx="3745149" cy="769441"/>
-          </a:xfrm>
-          <a:prstGeom prst="rect">
-            <a:avLst/>
-          </a:prstGeom>
-          <a:noFill/>
-        </p:spPr>
-        <p:txBody>
-          <a:bodyPr wrap="square" rtlCol="0">
-            <a:spAutoFit/>
-          </a:bodyPr>
-          <a:lstStyle/>
-          <a:p>
-            <a:pPr algn="ctr"/>
-            <a:r>
-              <a:rPr lang="hu-HU" sz="2400" b="1" dirty="0" smtClean="0"/>
-              <a:t>Balogh István</a:t>
-            </a:r>
-          </a:p>
-          <a:p>
-            <a:pPr algn="ctr"/>
-            <a:r>
-              <a:rPr lang="hu-HU" sz="2000" dirty="0" smtClean="0"/>
-              <a:t>Programtervező informatikus </a:t>
-            </a:r>
-            <a:r>
-              <a:rPr lang="hu-HU" sz="2000" dirty="0" err="1" smtClean="0"/>
-              <a:t>BSc</a:t>
-            </a:r>
-            <a:endParaRPr lang="hu-HU" sz="2000" dirty="0"/>
-          </a:p>
-        </p:txBody>
-      </p:sp>
-    </p:spTree>
-    <p:extLst>
-      <p:ext uri="{BB962C8B-B14F-4D97-AF65-F5344CB8AC3E}">
-        <p14:creationId xmlns:p14="http://schemas.microsoft.com/office/powerpoint/2010/main" val="1869678207"/>
-      </p:ext>
-    </p:extLst>
-  </p:cSld>
-  <p:clrMapOvr>
-    <a:masterClrMapping/>
-  </p:clrMapOvr>
-  <p:timing>
-    <p:tnLst>
-      <p:par>
-        <p:cTn id="1" dur="indefinite" restart="never" nodeType="tmRoot"/>
-      </p:par>
-    </p:tnLst>
-  </p:timing>
-</p:sld>
-</file>
-
-<file path=ppt/slides/slide3.xml><?xml version="1.0" encoding="utf-8"?>
-<p:sld xmlns:a="http://schemas.openxmlformats.org/drawingml/2006/main" xmlns:r="http://schemas.openxmlformats.org/officeDocument/2006/relationships" xmlns:p="http://schemas.openxmlformats.org/presentationml/2006/main">
-  <p:cSld>
-    <p:spTree>
-      <p:nvGrpSpPr>
-        <p:cNvPr id="1" name=""/>
-        <p:cNvGrpSpPr/>
-        <p:nvPr/>
-      </p:nvGrpSpPr>
-      <p:grpSpPr>
-        <a:xfrm>
-          <a:off x="0" y="0"/>
-          <a:ext cx="0" cy="0"/>
-          <a:chOff x="0" y="0"/>
-          <a:chExt cx="0" cy="0"/>
-        </a:xfrm>
-      </p:grpSpPr>
-      <p:sp>
-        <p:nvSpPr>
-          <p:cNvPr id="2" name="Cím 1"/>
-          <p:cNvSpPr>
-            <a:spLocks noGrp="1"/>
-          </p:cNvSpPr>
-          <p:nvPr>
-            <p:ph type="title"/>
-          </p:nvPr>
-        </p:nvSpPr>
-        <p:spPr>
-          <a:xfrm>
-            <a:off x="628650" y="787077"/>
-            <a:ext cx="7886700" cy="480939"/>
-          </a:xfrm>
-        </p:spPr>
-        <p:txBody>
-          <a:bodyPr>
-            <a:noAutofit/>
-          </a:bodyPr>
-          <a:lstStyle/>
-          <a:p>
-            <a:r>
-              <a:rPr lang="hu-HU" sz="3200" b="1" dirty="0"/>
-              <a:t>Az első napok</a:t>
-            </a:r>
-          </a:p>
-        </p:txBody>
-      </p:sp>
-      <p:sp>
-        <p:nvSpPr>
-          <p:cNvPr id="3" name="Alcím 2"/>
-          <p:cNvSpPr>
-            <a:spLocks noGrp="1"/>
-          </p:cNvSpPr>
-          <p:nvPr>
-            <p:ph sz="half" idx="1"/>
-          </p:nvPr>
-        </p:nvSpPr>
-        <p:spPr>
-          <a:xfrm>
-            <a:off x="439838" y="1875099"/>
-            <a:ext cx="4075012" cy="2757624"/>
-          </a:xfrm>
-        </p:spPr>
-        <p:txBody>
-          <a:bodyPr>
-            <a:normAutofit/>
-          </a:bodyPr>
-          <a:lstStyle/>
-          <a:p>
-            <a:r>
-              <a:rPr lang="hu-HU" dirty="0" smtClean="0"/>
-              <a:t>kezdeti lendület</a:t>
-            </a:r>
-          </a:p>
-          <a:p>
-            <a:r>
-              <a:rPr lang="hu-HU" dirty="0" smtClean="0"/>
-              <a:t>kérdések sokasága</a:t>
-            </a:r>
-          </a:p>
-          <a:p>
-            <a:r>
-              <a:rPr lang="hu-HU" dirty="0" smtClean="0"/>
-              <a:t>újdonság</a:t>
-            </a:r>
-          </a:p>
-          <a:p>
-            <a:endParaRPr lang="hu-HU" b="1" dirty="0">
-              <a:latin typeface="+mj-lt"/>
-            </a:endParaRPr>
-          </a:p>
-        </p:txBody>
-      </p:sp>
-      <p:pic>
-        <p:nvPicPr>
-          <p:cNvPr id="6" name="Tartalom helye 5"/>
-          <p:cNvPicPr>
-            <a:picLocks noGrp="1" noChangeAspect="1"/>
-          </p:cNvPicPr>
-          <p:nvPr>
-            <p:ph sz="half" idx="2"/>
-          </p:nvPr>
-        </p:nvPicPr>
-        <p:blipFill>
-          <a:blip r:embed="rId3">
-            <a:extLst>
-              <a:ext uri="{28A0092B-C50C-407E-A947-70E740481C1C}">
-                <a14:useLocalDpi xmlns:a14="http://schemas.microsoft.com/office/drawing/2010/main" val="0"/>
-              </a:ext>
-            </a:extLst>
-          </a:blip>
-          <a:stretch>
-            <a:fillRect/>
-          </a:stretch>
-        </p:blipFill>
-        <p:spPr>
-          <a:xfrm>
-            <a:off x="4629150" y="1543844"/>
-            <a:ext cx="3886200" cy="2914650"/>
-          </a:xfrm>
-        </p:spPr>
-      </p:pic>
-    </p:spTree>
-    <p:extLst>
-      <p:ext uri="{BB962C8B-B14F-4D97-AF65-F5344CB8AC3E}">
-        <p14:creationId xmlns:p14="http://schemas.microsoft.com/office/powerpoint/2010/main" val="3774048578"/>
-      </p:ext>
-    </p:extLst>
-  </p:cSld>
-  <p:clrMapOvr>
-    <a:masterClrMapping/>
-  </p:clrMapOvr>
-  <p:timing>
-    <p:tnLst>
-      <p:par>
-        <p:cTn id="1" dur="indefinite" restart="never" nodeType="tmRoot"/>
-      </p:par>
-    </p:tnLst>
-  </p:timing>
-</p:sld>
-</file>
-
-<file path=ppt/slides/slide4.xml><?xml version="1.0" encoding="utf-8"?>
-<p:sld xmlns:a="http://schemas.openxmlformats.org/drawingml/2006/main" xmlns:r="http://schemas.openxmlformats.org/officeDocument/2006/relationships" xmlns:p="http://schemas.openxmlformats.org/presentationml/2006/main">
-  <p:cSld>
-    <p:spTree>
-      <p:nvGrpSpPr>
-        <p:cNvPr id="1" name=""/>
-        <p:cNvGrpSpPr/>
-        <p:nvPr/>
-      </p:nvGrpSpPr>
-      <p:grpSpPr>
-        <a:xfrm>
-          <a:off x="0" y="0"/>
-          <a:ext cx="0" cy="0"/>
-          <a:chOff x="0" y="0"/>
-          <a:chExt cx="0" cy="0"/>
-        </a:xfrm>
-      </p:grpSpPr>
-      <p:sp>
-        <p:nvSpPr>
-          <p:cNvPr id="2" name="Cím 1"/>
-          <p:cNvSpPr>
-            <a:spLocks noGrp="1"/>
-          </p:cNvSpPr>
-          <p:nvPr>
-            <p:ph type="title"/>
-          </p:nvPr>
-        </p:nvSpPr>
-        <p:spPr>
-          <a:xfrm>
-            <a:off x="628650" y="775503"/>
-            <a:ext cx="7886700" cy="492513"/>
-          </a:xfrm>
-        </p:spPr>
-        <p:txBody>
-          <a:bodyPr>
-            <a:noAutofit/>
-          </a:bodyPr>
-          <a:lstStyle/>
-          <a:p>
-            <a:r>
-              <a:rPr lang="hu-HU" sz="3200" b="1" dirty="0" smtClean="0"/>
-              <a:t>Feladatok, amikben részt vettem</a:t>
-            </a:r>
-            <a:endParaRPr lang="hu-HU" sz="3200" b="1" dirty="0"/>
-          </a:p>
-        </p:txBody>
-      </p:sp>
-      <p:sp>
-        <p:nvSpPr>
-          <p:cNvPr id="3" name="Tartalom helye 2"/>
-          <p:cNvSpPr>
-            <a:spLocks noGrp="1"/>
-          </p:cNvSpPr>
-          <p:nvPr>
-            <p:ph sz="half" idx="1"/>
-          </p:nvPr>
-        </p:nvSpPr>
-        <p:spPr>
-          <a:xfrm>
-            <a:off x="432487" y="1851949"/>
-            <a:ext cx="4196664" cy="2780774"/>
-          </a:xfrm>
-        </p:spPr>
-        <p:txBody>
-          <a:bodyPr>
-            <a:normAutofit/>
-          </a:bodyPr>
-          <a:lstStyle/>
-          <a:p>
-            <a:r>
-              <a:rPr lang="hu-HU" dirty="0" smtClean="0"/>
-              <a:t>regisztráció</a:t>
-            </a:r>
-          </a:p>
-          <a:p>
-            <a:r>
-              <a:rPr lang="hu-HU" dirty="0" smtClean="0"/>
-              <a:t>közös fejléc </a:t>
-            </a:r>
-            <a:r>
-              <a:rPr lang="hu-HU" dirty="0" smtClean="0"/>
-              <a:t>kialakítása</a:t>
-            </a:r>
-          </a:p>
-          <a:p>
-            <a:r>
-              <a:rPr lang="hu-HU" dirty="0" smtClean="0"/>
-              <a:t>távoli kommunikáció</a:t>
-            </a:r>
-          </a:p>
-          <a:p>
-            <a:r>
-              <a:rPr lang="hu-HU" dirty="0"/>
-              <a:t>bejelentkezett felhasználók </a:t>
-            </a:r>
-            <a:r>
-              <a:rPr lang="hu-HU" dirty="0" smtClean="0"/>
-              <a:t>kezelése</a:t>
-            </a:r>
-            <a:endParaRPr lang="hu-HU" dirty="0"/>
-          </a:p>
-        </p:txBody>
-      </p:sp>
-      <p:pic>
-        <p:nvPicPr>
-          <p:cNvPr id="5" name="Tartalom helye 4"/>
-          <p:cNvPicPr>
-            <a:picLocks noGrp="1" noChangeAspect="1"/>
-          </p:cNvPicPr>
-          <p:nvPr>
-            <p:ph sz="half" idx="2"/>
-          </p:nvPr>
-        </p:nvPicPr>
-        <p:blipFill>
-          <a:blip r:embed="rId2">
-            <a:extLst>
-              <a:ext uri="{28A0092B-C50C-407E-A947-70E740481C1C}">
-                <a14:useLocalDpi xmlns:a14="http://schemas.microsoft.com/office/drawing/2010/main" val="0"/>
-              </a:ext>
-            </a:extLst>
-          </a:blip>
-          <a:stretch>
-            <a:fillRect/>
-          </a:stretch>
-        </p:blipFill>
-        <p:spPr>
-          <a:xfrm>
-            <a:off x="5307788" y="1370013"/>
-            <a:ext cx="2528924" cy="3262312"/>
-          </a:xfrm>
-        </p:spPr>
-      </p:pic>
-    </p:spTree>
-    <p:extLst>
-      <p:ext uri="{BB962C8B-B14F-4D97-AF65-F5344CB8AC3E}">
-        <p14:creationId xmlns:p14="http://schemas.microsoft.com/office/powerpoint/2010/main" val="2423911578"/>
-      </p:ext>
-    </p:extLst>
-  </p:cSld>
-  <p:clrMapOvr>
-    <a:masterClrMapping/>
-  </p:clrMapOvr>
-  <p:timing>
-    <p:tnLst>
-      <p:par>
-        <p:cTn id="1" dur="indefinite" restart="never" nodeType="tmRoot"/>
-      </p:par>
-    </p:tnLst>
-  </p:timing>
-</p:sld>
-</file>
-
-<file path=ppt/slides/slide5.xml><?xml version="1.0" encoding="utf-8"?>
-<p:sld xmlns:a="http://schemas.openxmlformats.org/drawingml/2006/main" xmlns:r="http://schemas.openxmlformats.org/officeDocument/2006/relationships" xmlns:p="http://schemas.openxmlformats.org/presentationml/2006/main">
-  <p:cSld>
-    <p:spTree>
-      <p:nvGrpSpPr>
-        <p:cNvPr id="1" name=""/>
-        <p:cNvGrpSpPr/>
-        <p:nvPr/>
-      </p:nvGrpSpPr>
-      <p:grpSpPr>
-        <a:xfrm>
-          <a:off x="0" y="0"/>
-          <a:ext cx="0" cy="0"/>
-          <a:chOff x="0" y="0"/>
-          <a:chExt cx="0" cy="0"/>
-        </a:xfrm>
-      </p:grpSpPr>
-      <p:sp>
-        <p:nvSpPr>
-          <p:cNvPr id="2" name="Cím 1"/>
-          <p:cNvSpPr>
-            <a:spLocks noGrp="1"/>
-          </p:cNvSpPr>
-          <p:nvPr>
-            <p:ph type="title"/>
-          </p:nvPr>
-        </p:nvSpPr>
-        <p:spPr>
-          <a:xfrm>
-            <a:off x="628650" y="775503"/>
-            <a:ext cx="7886700" cy="492513"/>
-          </a:xfrm>
-        </p:spPr>
-        <p:txBody>
-          <a:bodyPr>
-            <a:noAutofit/>
-          </a:bodyPr>
-          <a:lstStyle/>
-          <a:p>
-            <a:r>
-              <a:rPr lang="hu-HU" sz="3200" b="1" dirty="0" smtClean="0"/>
-              <a:t>Feladatok, amikben részt vettem</a:t>
-            </a:r>
-            <a:endParaRPr lang="hu-HU" sz="3200" b="1" dirty="0"/>
-          </a:p>
-        </p:txBody>
-      </p:sp>
-      <p:sp>
-        <p:nvSpPr>
-          <p:cNvPr id="3" name="Tartalom helye 2"/>
-          <p:cNvSpPr>
-            <a:spLocks noGrp="1"/>
-          </p:cNvSpPr>
-          <p:nvPr>
-            <p:ph sz="half" idx="1"/>
-          </p:nvPr>
-        </p:nvSpPr>
-        <p:spPr>
-          <a:xfrm>
-            <a:off x="407773" y="1851949"/>
-            <a:ext cx="4221378" cy="2780774"/>
-          </a:xfrm>
-        </p:spPr>
-        <p:txBody>
-          <a:bodyPr>
-            <a:normAutofit/>
-          </a:bodyPr>
-          <a:lstStyle/>
-          <a:p>
-            <a:r>
-              <a:rPr lang="hu-HU" dirty="0" err="1" smtClean="0"/>
-              <a:t>validálás</a:t>
-            </a:r>
-            <a:r>
-              <a:rPr lang="hu-HU" dirty="0" smtClean="0"/>
-              <a:t>, visszajelzés</a:t>
-            </a:r>
-          </a:p>
-          <a:p>
-            <a:r>
-              <a:rPr lang="hu-HU" dirty="0" smtClean="0"/>
-              <a:t>felhasználói profil</a:t>
-            </a:r>
-          </a:p>
-          <a:p>
-            <a:r>
-              <a:rPr lang="hu-HU" dirty="0" smtClean="0"/>
-              <a:t>közös lista</a:t>
-            </a:r>
-          </a:p>
-          <a:p>
-            <a:r>
-              <a:rPr lang="hu-HU" dirty="0" err="1" smtClean="0"/>
-              <a:t>refactoring</a:t>
-            </a:r>
-            <a:endParaRPr lang="hu-HU" dirty="0"/>
-          </a:p>
-        </p:txBody>
-      </p:sp>
-      <p:pic>
-        <p:nvPicPr>
-          <p:cNvPr id="6" name="Tartalom helye 5"/>
-          <p:cNvPicPr>
-            <a:picLocks noGrp="1" noChangeAspect="1"/>
-          </p:cNvPicPr>
-          <p:nvPr>
-            <p:ph sz="half" idx="2"/>
-          </p:nvPr>
-        </p:nvPicPr>
-        <p:blipFill>
-          <a:blip r:embed="rId2">
-            <a:extLst>
-              <a:ext uri="{28A0092B-C50C-407E-A947-70E740481C1C}">
-                <a14:useLocalDpi xmlns:a14="http://schemas.microsoft.com/office/drawing/2010/main" val="0"/>
-              </a:ext>
-            </a:extLst>
-          </a:blip>
-          <a:stretch>
-            <a:fillRect/>
-          </a:stretch>
-        </p:blipFill>
-        <p:spPr>
-          <a:xfrm>
-            <a:off x="4629150" y="1706721"/>
-            <a:ext cx="3886200" cy="2588895"/>
-          </a:xfrm>
-        </p:spPr>
-      </p:pic>
-    </p:spTree>
-    <p:extLst>
-      <p:ext uri="{BB962C8B-B14F-4D97-AF65-F5344CB8AC3E}">
-        <p14:creationId xmlns:p14="http://schemas.microsoft.com/office/powerpoint/2010/main" val="2352462969"/>
-      </p:ext>
-    </p:extLst>
-  </p:cSld>
-  <p:clrMapOvr>
-    <a:masterClrMapping/>
-  </p:clrMapOvr>
-  <p:timing>
-    <p:tnLst>
-      <p:par>
-        <p:cTn id="1" dur="indefinite" restart="never" nodeType="tmRoot"/>
-      </p:par>
-    </p:tnLst>
-  </p:timing>
-</p:sld>
-</file>
-
-<file path=ppt/slides/slide6.xml><?xml version="1.0" encoding="utf-8"?>
-<p:sld xmlns:a="http://schemas.openxmlformats.org/drawingml/2006/main" xmlns:r="http://schemas.openxmlformats.org/officeDocument/2006/relationships" xmlns:p="http://schemas.openxmlformats.org/presentationml/2006/main">
-  <p:cSld>
-    <p:spTree>
-      <p:nvGrpSpPr>
-        <p:cNvPr id="1" name=""/>
-        <p:cNvGrpSpPr/>
-        <p:nvPr/>
-      </p:nvGrpSpPr>
-      <p:grpSpPr>
-        <a:xfrm>
-          <a:off x="0" y="0"/>
-          <a:ext cx="0" cy="0"/>
-          <a:chOff x="0" y="0"/>
-          <a:chExt cx="0" cy="0"/>
-        </a:xfrm>
-      </p:grpSpPr>
-      <p:sp>
-        <p:nvSpPr>
-          <p:cNvPr id="2" name="Cím 1"/>
-          <p:cNvSpPr>
-            <a:spLocks noGrp="1"/>
-          </p:cNvSpPr>
-          <p:nvPr>
-            <p:ph type="title"/>
-          </p:nvPr>
-        </p:nvSpPr>
-        <p:spPr>
-          <a:xfrm>
-            <a:off x="628650" y="775503"/>
-            <a:ext cx="7886700" cy="492513"/>
-          </a:xfrm>
-        </p:spPr>
-        <p:txBody>
-          <a:bodyPr>
-            <a:noAutofit/>
-          </a:bodyPr>
-          <a:lstStyle/>
-          <a:p>
-            <a:r>
-              <a:rPr lang="hu-HU" sz="3200" b="1" dirty="0" smtClean="0"/>
-              <a:t>Kihívások</a:t>
-            </a:r>
-            <a:endParaRPr lang="hu-HU" sz="3200" b="1" dirty="0"/>
-          </a:p>
-        </p:txBody>
-      </p:sp>
-      <p:sp>
-        <p:nvSpPr>
-          <p:cNvPr id="3" name="Tartalom helye 2"/>
-          <p:cNvSpPr>
-            <a:spLocks noGrp="1"/>
-          </p:cNvSpPr>
-          <p:nvPr>
-            <p:ph sz="half" idx="1"/>
-          </p:nvPr>
-        </p:nvSpPr>
-        <p:spPr>
-          <a:xfrm>
-            <a:off x="407773" y="1851949"/>
-            <a:ext cx="4221378" cy="2780774"/>
-          </a:xfrm>
-        </p:spPr>
-        <p:txBody>
-          <a:bodyPr/>
-          <a:lstStyle/>
-          <a:p>
-            <a:r>
-              <a:rPr lang="hu-HU" dirty="0" smtClean="0"/>
-              <a:t>„ismeretlen terep”</a:t>
-            </a:r>
-          </a:p>
-          <a:p>
-            <a:r>
-              <a:rPr lang="hu-HU" dirty="0" smtClean="0"/>
-              <a:t>tranzakciós </a:t>
-            </a:r>
-            <a:r>
-              <a:rPr lang="hu-HU" dirty="0" smtClean="0"/>
-              <a:t>hiba</a:t>
-            </a:r>
-            <a:endParaRPr lang="hu-HU" dirty="0"/>
-          </a:p>
-        </p:txBody>
-      </p:sp>
-      <p:pic>
-        <p:nvPicPr>
-          <p:cNvPr id="5" name="Tartalom helye 4"/>
-          <p:cNvPicPr>
-            <a:picLocks noGrp="1" noChangeAspect="1"/>
-          </p:cNvPicPr>
-          <p:nvPr>
-            <p:ph sz="half" idx="2"/>
-          </p:nvPr>
-        </p:nvPicPr>
-        <p:blipFill>
-          <a:blip r:embed="rId2" cstate="print">
-            <a:extLst>
-              <a:ext uri="{28A0092B-C50C-407E-A947-70E740481C1C}">
-                <a14:useLocalDpi xmlns:a14="http://schemas.microsoft.com/office/drawing/2010/main" val="0"/>
-              </a:ext>
-            </a:extLst>
-          </a:blip>
-          <a:stretch>
-            <a:fillRect/>
-          </a:stretch>
-        </p:blipFill>
-        <p:spPr>
-          <a:xfrm>
-            <a:off x="4629150" y="1543844"/>
-            <a:ext cx="3886200" cy="2914650"/>
-          </a:xfrm>
-        </p:spPr>
-      </p:pic>
-    </p:spTree>
-    <p:extLst>
-      <p:ext uri="{BB962C8B-B14F-4D97-AF65-F5344CB8AC3E}">
-        <p14:creationId xmlns:p14="http://schemas.microsoft.com/office/powerpoint/2010/main" val="2426758009"/>
-      </p:ext>
-    </p:extLst>
-  </p:cSld>
-  <p:clrMapOvr>
-    <a:masterClrMapping/>
-  </p:clrMapOvr>
-  <p:timing>
-    <p:tnLst>
-      <p:par>
-        <p:cTn id="1" dur="indefinite" restart="never" nodeType="tmRoot"/>
-      </p:par>
-    </p:tnLst>
-  </p:timing>
-</p:sld>
-</file>
-
-<file path=ppt/slides/slide7.xml><?xml version="1.0" encoding="utf-8"?>
-<p:sld xmlns:a="http://schemas.openxmlformats.org/drawingml/2006/main" xmlns:r="http://schemas.openxmlformats.org/officeDocument/2006/relationships" xmlns:p="http://schemas.openxmlformats.org/presentationml/2006/main">
-  <p:cSld>
-    <p:spTree>
-      <p:nvGrpSpPr>
-        <p:cNvPr id="1" name=""/>
-        <p:cNvGrpSpPr/>
-        <p:nvPr/>
-      </p:nvGrpSpPr>
-      <p:grpSpPr>
-        <a:xfrm>
-          <a:off x="0" y="0"/>
-          <a:ext cx="0" cy="0"/>
-          <a:chOff x="0" y="0"/>
-          <a:chExt cx="0" cy="0"/>
-        </a:xfrm>
-      </p:grpSpPr>
-      <p:sp>
-        <p:nvSpPr>
-          <p:cNvPr id="2" name="Cím 1"/>
-          <p:cNvSpPr>
-            <a:spLocks noGrp="1"/>
-          </p:cNvSpPr>
-          <p:nvPr>
-            <p:ph type="title"/>
-          </p:nvPr>
-        </p:nvSpPr>
-        <p:spPr>
-          <a:xfrm>
-            <a:off x="628650" y="775503"/>
-            <a:ext cx="7886700" cy="492513"/>
-          </a:xfrm>
-        </p:spPr>
-        <p:txBody>
-          <a:bodyPr>
-            <a:noAutofit/>
-          </a:bodyPr>
-          <a:lstStyle/>
-          <a:p>
-            <a:r>
-              <a:rPr lang="hu-HU" sz="3200" b="1" dirty="0" smtClean="0"/>
-              <a:t>Amik legjobban tetszettek</a:t>
-            </a:r>
-            <a:endParaRPr lang="hu-HU" sz="3200" b="1" dirty="0"/>
-          </a:p>
-        </p:txBody>
-      </p:sp>
-      <p:sp>
-        <p:nvSpPr>
-          <p:cNvPr id="3" name="Tartalom helye 2"/>
-          <p:cNvSpPr>
-            <a:spLocks noGrp="1"/>
-          </p:cNvSpPr>
-          <p:nvPr>
-            <p:ph sz="half" idx="1"/>
-          </p:nvPr>
-        </p:nvSpPr>
-        <p:spPr>
-          <a:xfrm>
-            <a:off x="407773" y="1851949"/>
-            <a:ext cx="4221378" cy="2780774"/>
-          </a:xfrm>
-        </p:spPr>
-        <p:txBody>
-          <a:bodyPr/>
-          <a:lstStyle/>
-          <a:p>
-            <a:r>
-              <a:rPr lang="hu-HU" dirty="0" smtClean="0"/>
-              <a:t>csapatmunka</a:t>
-            </a:r>
-          </a:p>
-          <a:p>
-            <a:r>
-              <a:rPr lang="hu-HU" dirty="0" smtClean="0"/>
-              <a:t>segítőkészség</a:t>
-            </a:r>
-          </a:p>
-          <a:p>
-            <a:r>
-              <a:rPr lang="hu-HU" dirty="0" smtClean="0"/>
-              <a:t>„a gumikacsa”</a:t>
-            </a:r>
-          </a:p>
-          <a:p>
-            <a:r>
-              <a:rPr lang="hu-HU" dirty="0" smtClean="0"/>
-              <a:t>az aha-élmény</a:t>
-            </a:r>
-            <a:endParaRPr lang="hu-HU" dirty="0"/>
-          </a:p>
-        </p:txBody>
-      </p:sp>
-      <p:pic>
-        <p:nvPicPr>
-          <p:cNvPr id="8" name="Tartalom helye 7"/>
-          <p:cNvPicPr>
-            <a:picLocks noGrp="1" noChangeAspect="1"/>
-          </p:cNvPicPr>
-          <p:nvPr>
-            <p:ph sz="half" idx="2"/>
-          </p:nvPr>
-        </p:nvPicPr>
-        <p:blipFill>
-          <a:blip r:embed="rId2">
-            <a:extLst>
-              <a:ext uri="{28A0092B-C50C-407E-A947-70E740481C1C}">
-                <a14:useLocalDpi xmlns:a14="http://schemas.microsoft.com/office/drawing/2010/main" val="0"/>
-              </a:ext>
-            </a:extLst>
-          </a:blip>
-          <a:stretch>
-            <a:fillRect/>
-          </a:stretch>
-        </p:blipFill>
-        <p:spPr>
-          <a:xfrm>
-            <a:off x="3248217" y="2088292"/>
-            <a:ext cx="2642887" cy="2642887"/>
-          </a:xfrm>
-        </p:spPr>
-      </p:pic>
-      <p:pic>
-        <p:nvPicPr>
-          <p:cNvPr id="9" name="Kép 8"/>
-          <p:cNvPicPr>
-            <a:picLocks noChangeAspect="1"/>
-          </p:cNvPicPr>
-          <p:nvPr/>
-        </p:nvPicPr>
-        <p:blipFill>
-          <a:blip r:embed="rId3" cstate="print">
-            <a:extLst>
-              <a:ext uri="{28A0092B-C50C-407E-A947-70E740481C1C}">
-                <a14:useLocalDpi xmlns:a14="http://schemas.microsoft.com/office/drawing/2010/main" val="0"/>
-              </a:ext>
-            </a:extLst>
-          </a:blip>
-          <a:stretch>
-            <a:fillRect/>
-          </a:stretch>
-        </p:blipFill>
-        <p:spPr>
-          <a:xfrm>
-            <a:off x="6091798" y="1268016"/>
-            <a:ext cx="2755596" cy="2721576"/>
-          </a:xfrm>
-          <a:prstGeom prst="rect">
-            <a:avLst/>
-          </a:prstGeom>
-        </p:spPr>
-      </p:pic>
-    </p:spTree>
-    <p:extLst>
-      <p:ext uri="{BB962C8B-B14F-4D97-AF65-F5344CB8AC3E}">
-        <p14:creationId xmlns:p14="http://schemas.microsoft.com/office/powerpoint/2010/main" val="20895936"/>
-      </p:ext>
-    </p:extLst>
-  </p:cSld>
-  <p:clrMapOvr>
-    <a:masterClrMapping/>
-  </p:clrMapOvr>
-  <p:timing>
-    <p:tnLst>
-      <p:par>
-        <p:cTn id="1" dur="indefinite" restart="never" nodeType="tmRoot"/>
-      </p:par>
-    </p:tnLst>
-  </p:timing>
-</p:sld>
-</file>
-
-<file path=ppt/slides/slide8.xml><?xml version="1.0" encoding="utf-8"?>
+<file path=ppt/slides/slide10.xml><?xml version="1.0" encoding="utf-8"?>
 <p:sld xmlns:a="http://schemas.openxmlformats.org/drawingml/2006/main" xmlns:r="http://schemas.openxmlformats.org/officeDocument/2006/relationships" xmlns:p="http://schemas.openxmlformats.org/presentationml/2006/main">
   <p:cSld>
     <p:bg>
@@ -4684,6 +4222,1614 @@
     <p:extLst>
       <p:ext uri="{BB962C8B-B14F-4D97-AF65-F5344CB8AC3E}">
         <p14:creationId xmlns:p14="http://schemas.microsoft.com/office/powerpoint/2010/main" val="3541323241"/>
+      </p:ext>
+    </p:extLst>
+  </p:cSld>
+  <p:clrMapOvr>
+    <a:masterClrMapping/>
+  </p:clrMapOvr>
+  <p:timing>
+    <p:tnLst>
+      <p:par>
+        <p:cTn id="1" dur="indefinite" restart="never" nodeType="tmRoot"/>
+      </p:par>
+    </p:tnLst>
+  </p:timing>
+</p:sld>
+</file>
+
+<file path=ppt/slides/slide2.xml><?xml version="1.0" encoding="utf-8"?>
+<p:sld xmlns:a="http://schemas.openxmlformats.org/drawingml/2006/main" xmlns:r="http://schemas.openxmlformats.org/officeDocument/2006/relationships" xmlns:p="http://schemas.openxmlformats.org/presentationml/2006/main">
+  <p:cSld>
+    <p:spTree>
+      <p:nvGrpSpPr>
+        <p:cNvPr id="1" name=""/>
+        <p:cNvGrpSpPr/>
+        <p:nvPr/>
+      </p:nvGrpSpPr>
+      <p:grpSpPr>
+        <a:xfrm>
+          <a:off x="0" y="0"/>
+          <a:ext cx="0" cy="0"/>
+          <a:chOff x="0" y="0"/>
+          <a:chExt cx="0" cy="0"/>
+        </a:xfrm>
+      </p:grpSpPr>
+      <p:sp>
+        <p:nvSpPr>
+          <p:cNvPr id="2" name="Cím 1"/>
+          <p:cNvSpPr>
+            <a:spLocks noGrp="1"/>
+          </p:cNvSpPr>
+          <p:nvPr>
+            <p:ph type="ctrTitle"/>
+          </p:nvPr>
+        </p:nvSpPr>
+        <p:spPr>
+          <a:xfrm>
+            <a:off x="7521394" y="67963"/>
+            <a:ext cx="1548465" cy="583469"/>
+          </a:xfrm>
+        </p:spPr>
+        <p:txBody>
+          <a:bodyPr>
+            <a:normAutofit fontScale="90000"/>
+          </a:bodyPr>
+          <a:lstStyle/>
+          <a:p>
+            <a:r>
+              <a:rPr lang="hu-HU" sz="1800" dirty="0" smtClean="0"/>
+              <a:t>A prezentáció címe ide jön</a:t>
+            </a:r>
+            <a:endParaRPr lang="hu-HU" sz="1800" dirty="0"/>
+          </a:p>
+        </p:txBody>
+      </p:sp>
+      <p:pic>
+        <p:nvPicPr>
+          <p:cNvPr id="5" name="Kép 4"/>
+          <p:cNvPicPr>
+            <a:picLocks noChangeAspect="1"/>
+          </p:cNvPicPr>
+          <p:nvPr/>
+        </p:nvPicPr>
+        <p:blipFill>
+          <a:blip r:embed="rId3" cstate="print">
+            <a:extLst>
+              <a:ext uri="{28A0092B-C50C-407E-A947-70E740481C1C}">
+                <a14:useLocalDpi xmlns:a14="http://schemas.microsoft.com/office/drawing/2010/main" val="0"/>
+              </a:ext>
+            </a:extLst>
+          </a:blip>
+          <a:stretch>
+            <a:fillRect/>
+          </a:stretch>
+        </p:blipFill>
+        <p:spPr>
+          <a:xfrm>
+            <a:off x="5301575" y="1391055"/>
+            <a:ext cx="1881385" cy="2800345"/>
+          </a:xfrm>
+          <a:prstGeom prst="rect">
+            <a:avLst/>
+          </a:prstGeom>
+        </p:spPr>
+      </p:pic>
+      <p:sp>
+        <p:nvSpPr>
+          <p:cNvPr id="7" name="Szövegdoboz 6"/>
+          <p:cNvSpPr txBox="1"/>
+          <p:nvPr/>
+        </p:nvSpPr>
+        <p:spPr>
+          <a:xfrm>
+            <a:off x="846306" y="2280525"/>
+            <a:ext cx="3745149" cy="769441"/>
+          </a:xfrm>
+          <a:prstGeom prst="rect">
+            <a:avLst/>
+          </a:prstGeom>
+          <a:noFill/>
+        </p:spPr>
+        <p:txBody>
+          <a:bodyPr wrap="square" rtlCol="0">
+            <a:spAutoFit/>
+          </a:bodyPr>
+          <a:lstStyle/>
+          <a:p>
+            <a:pPr algn="ctr"/>
+            <a:r>
+              <a:rPr lang="hu-HU" sz="2400" b="1" dirty="0" smtClean="0"/>
+              <a:t>Balogh István</a:t>
+            </a:r>
+          </a:p>
+          <a:p>
+            <a:pPr algn="ctr"/>
+            <a:r>
+              <a:rPr lang="hu-HU" sz="2000" dirty="0" smtClean="0"/>
+              <a:t>Programtervező informatikus </a:t>
+            </a:r>
+            <a:r>
+              <a:rPr lang="hu-HU" sz="2000" dirty="0" err="1" smtClean="0"/>
+              <a:t>BSc</a:t>
+            </a:r>
+            <a:endParaRPr lang="hu-HU" sz="2000" dirty="0"/>
+          </a:p>
+        </p:txBody>
+      </p:sp>
+    </p:spTree>
+    <p:extLst>
+      <p:ext uri="{BB962C8B-B14F-4D97-AF65-F5344CB8AC3E}">
+        <p14:creationId xmlns:p14="http://schemas.microsoft.com/office/powerpoint/2010/main" val="1869678207"/>
+      </p:ext>
+    </p:extLst>
+  </p:cSld>
+  <p:clrMapOvr>
+    <a:masterClrMapping/>
+  </p:clrMapOvr>
+  <p:timing>
+    <p:tnLst>
+      <p:par>
+        <p:cTn id="1" dur="indefinite" restart="never" nodeType="tmRoot"/>
+      </p:par>
+    </p:tnLst>
+  </p:timing>
+</p:sld>
+</file>
+
+<file path=ppt/slides/slide3.xml><?xml version="1.0" encoding="utf-8"?>
+<p:sld xmlns:a="http://schemas.openxmlformats.org/drawingml/2006/main" xmlns:r="http://schemas.openxmlformats.org/officeDocument/2006/relationships" xmlns:p="http://schemas.openxmlformats.org/presentationml/2006/main">
+  <p:cSld>
+    <p:spTree>
+      <p:nvGrpSpPr>
+        <p:cNvPr id="1" name=""/>
+        <p:cNvGrpSpPr/>
+        <p:nvPr/>
+      </p:nvGrpSpPr>
+      <p:grpSpPr>
+        <a:xfrm>
+          <a:off x="0" y="0"/>
+          <a:ext cx="0" cy="0"/>
+          <a:chOff x="0" y="0"/>
+          <a:chExt cx="0" cy="0"/>
+        </a:xfrm>
+      </p:grpSpPr>
+      <p:sp>
+        <p:nvSpPr>
+          <p:cNvPr id="2" name="Cím 1"/>
+          <p:cNvSpPr>
+            <a:spLocks noGrp="1"/>
+          </p:cNvSpPr>
+          <p:nvPr>
+            <p:ph type="title"/>
+          </p:nvPr>
+        </p:nvSpPr>
+        <p:spPr>
+          <a:xfrm>
+            <a:off x="628650" y="815926"/>
+            <a:ext cx="7886700" cy="452090"/>
+          </a:xfrm>
+        </p:spPr>
+        <p:txBody>
+          <a:bodyPr>
+            <a:noAutofit/>
+          </a:bodyPr>
+          <a:lstStyle/>
+          <a:p>
+            <a:r>
+              <a:rPr lang="hu-HU" sz="3200" b="1" dirty="0" smtClean="0"/>
+              <a:t>A projekt: </a:t>
+            </a:r>
+            <a:r>
+              <a:rPr lang="hu-HU" sz="3200" b="1" dirty="0" err="1" smtClean="0"/>
+              <a:t>ConOrg</a:t>
+            </a:r>
+            <a:r>
+              <a:rPr lang="hu-HU" sz="3200" b="1" dirty="0" smtClean="0"/>
+              <a:t> </a:t>
+            </a:r>
+            <a:r>
+              <a:rPr lang="hu-HU" sz="3200" b="1" dirty="0" err="1" smtClean="0"/>
+              <a:t>webalkalmazás</a:t>
+            </a:r>
+            <a:endParaRPr lang="hu-HU" sz="3200" b="1" dirty="0"/>
+          </a:p>
+        </p:txBody>
+      </p:sp>
+      <p:sp>
+        <p:nvSpPr>
+          <p:cNvPr id="3" name="Alcím 2"/>
+          <p:cNvSpPr>
+            <a:spLocks noGrp="1"/>
+          </p:cNvSpPr>
+          <p:nvPr>
+            <p:ph sz="half" idx="1"/>
+          </p:nvPr>
+        </p:nvSpPr>
+        <p:spPr>
+          <a:xfrm>
+            <a:off x="439838" y="1875099"/>
+            <a:ext cx="4075012" cy="2757624"/>
+          </a:xfrm>
+        </p:spPr>
+        <p:txBody>
+          <a:bodyPr>
+            <a:normAutofit/>
+          </a:bodyPr>
+          <a:lstStyle/>
+          <a:p>
+            <a:r>
+              <a:rPr lang="hu-HU" dirty="0" err="1" smtClean="0"/>
+              <a:t>Landing</a:t>
+            </a:r>
+            <a:endParaRPr lang="hu-HU" dirty="0" smtClean="0"/>
+          </a:p>
+          <a:p>
+            <a:r>
+              <a:rPr lang="hu-HU" b="1" dirty="0" smtClean="0">
+                <a:latin typeface="+mj-lt"/>
+              </a:rPr>
+              <a:t>Band</a:t>
+            </a:r>
+          </a:p>
+          <a:p>
+            <a:r>
+              <a:rPr lang="hu-HU" b="1" dirty="0" err="1" smtClean="0">
+                <a:latin typeface="+mj-lt"/>
+              </a:rPr>
+              <a:t>Venue</a:t>
+            </a:r>
+            <a:endParaRPr lang="hu-HU" b="1" dirty="0">
+              <a:latin typeface="+mj-lt"/>
+            </a:endParaRPr>
+          </a:p>
+        </p:txBody>
+      </p:sp>
+      <p:pic>
+        <p:nvPicPr>
+          <p:cNvPr id="7" name="Kép 6"/>
+          <p:cNvPicPr>
+            <a:picLocks noChangeAspect="1"/>
+          </p:cNvPicPr>
+          <p:nvPr/>
+        </p:nvPicPr>
+        <p:blipFill>
+          <a:blip r:embed="rId3" cstate="print">
+            <a:extLst>
+              <a:ext uri="{28A0092B-C50C-407E-A947-70E740481C1C}">
+                <a14:useLocalDpi xmlns:a14="http://schemas.microsoft.com/office/drawing/2010/main" val="0"/>
+              </a:ext>
+            </a:extLst>
+          </a:blip>
+          <a:stretch>
+            <a:fillRect/>
+          </a:stretch>
+        </p:blipFill>
+        <p:spPr>
+          <a:xfrm rot="957331">
+            <a:off x="6039332" y="2268107"/>
+            <a:ext cx="2350770" cy="1524000"/>
+          </a:xfrm>
+          <a:prstGeom prst="rect">
+            <a:avLst/>
+          </a:prstGeom>
+        </p:spPr>
+      </p:pic>
+      <p:pic>
+        <p:nvPicPr>
+          <p:cNvPr id="8" name="Kép 7"/>
+          <p:cNvPicPr>
+            <a:picLocks noChangeAspect="1"/>
+          </p:cNvPicPr>
+          <p:nvPr/>
+        </p:nvPicPr>
+        <p:blipFill>
+          <a:blip r:embed="rId4" cstate="print">
+            <a:extLst>
+              <a:ext uri="{28A0092B-C50C-407E-A947-70E740481C1C}">
+                <a14:useLocalDpi xmlns:a14="http://schemas.microsoft.com/office/drawing/2010/main" val="0"/>
+              </a:ext>
+            </a:extLst>
+          </a:blip>
+          <a:stretch>
+            <a:fillRect/>
+          </a:stretch>
+        </p:blipFill>
+        <p:spPr>
+          <a:xfrm rot="20451130">
+            <a:off x="4699762" y="2218476"/>
+            <a:ext cx="2350770" cy="1524000"/>
+          </a:xfrm>
+          <a:prstGeom prst="rect">
+            <a:avLst/>
+          </a:prstGeom>
+        </p:spPr>
+      </p:pic>
+    </p:spTree>
+    <p:extLst>
+      <p:ext uri="{BB962C8B-B14F-4D97-AF65-F5344CB8AC3E}">
+        <p14:creationId xmlns:p14="http://schemas.microsoft.com/office/powerpoint/2010/main" val="3390568590"/>
+      </p:ext>
+    </p:extLst>
+  </p:cSld>
+  <p:clrMapOvr>
+    <a:masterClrMapping/>
+  </p:clrMapOvr>
+  <p:timing>
+    <p:tnLst>
+      <p:par>
+        <p:cTn id="1" dur="indefinite" restart="never" nodeType="tmRoot"/>
+      </p:par>
+    </p:tnLst>
+  </p:timing>
+</p:sld>
+</file>
+
+<file path=ppt/slides/slide4.xml><?xml version="1.0" encoding="utf-8"?>
+<p:sld xmlns:a="http://schemas.openxmlformats.org/drawingml/2006/main" xmlns:r="http://schemas.openxmlformats.org/officeDocument/2006/relationships" xmlns:p="http://schemas.openxmlformats.org/presentationml/2006/main">
+  <p:cSld>
+    <p:spTree>
+      <p:nvGrpSpPr>
+        <p:cNvPr id="1" name=""/>
+        <p:cNvGrpSpPr/>
+        <p:nvPr/>
+      </p:nvGrpSpPr>
+      <p:grpSpPr>
+        <a:xfrm>
+          <a:off x="0" y="0"/>
+          <a:ext cx="0" cy="0"/>
+          <a:chOff x="0" y="0"/>
+          <a:chExt cx="0" cy="0"/>
+        </a:xfrm>
+      </p:grpSpPr>
+      <p:pic>
+        <p:nvPicPr>
+          <p:cNvPr id="6" name="Kép 5"/>
+          <p:cNvPicPr>
+            <a:picLocks noChangeAspect="1"/>
+          </p:cNvPicPr>
+          <p:nvPr/>
+        </p:nvPicPr>
+        <p:blipFill>
+          <a:blip r:embed="rId3">
+            <a:extLst>
+              <a:ext uri="{28A0092B-C50C-407E-A947-70E740481C1C}">
+                <a14:useLocalDpi xmlns:a14="http://schemas.microsoft.com/office/drawing/2010/main" val="0"/>
+              </a:ext>
+            </a:extLst>
+          </a:blip>
+          <a:stretch>
+            <a:fillRect/>
+          </a:stretch>
+        </p:blipFill>
+        <p:spPr>
+          <a:xfrm>
+            <a:off x="4971920" y="820240"/>
+            <a:ext cx="1950719" cy="1463040"/>
+          </a:xfrm>
+          <a:prstGeom prst="rect">
+            <a:avLst/>
+          </a:prstGeom>
+        </p:spPr>
+      </p:pic>
+      <p:pic>
+        <p:nvPicPr>
+          <p:cNvPr id="7" name="Kép 6"/>
+          <p:cNvPicPr>
+            <a:picLocks noChangeAspect="1"/>
+          </p:cNvPicPr>
+          <p:nvPr/>
+        </p:nvPicPr>
+        <p:blipFill>
+          <a:blip r:embed="rId4">
+            <a:extLst>
+              <a:ext uri="{28A0092B-C50C-407E-A947-70E740481C1C}">
+                <a14:useLocalDpi xmlns:a14="http://schemas.microsoft.com/office/drawing/2010/main" val="0"/>
+              </a:ext>
+            </a:extLst>
+          </a:blip>
+          <a:stretch>
+            <a:fillRect/>
+          </a:stretch>
+        </p:blipFill>
+        <p:spPr>
+          <a:xfrm>
+            <a:off x="7297327" y="2085334"/>
+            <a:ext cx="1016000" cy="1463040"/>
+          </a:xfrm>
+          <a:prstGeom prst="rect">
+            <a:avLst/>
+          </a:prstGeom>
+        </p:spPr>
+      </p:pic>
+      <p:pic>
+        <p:nvPicPr>
+          <p:cNvPr id="8" name="Kép 7"/>
+          <p:cNvPicPr>
+            <a:picLocks noChangeAspect="1"/>
+          </p:cNvPicPr>
+          <p:nvPr/>
+        </p:nvPicPr>
+        <p:blipFill>
+          <a:blip r:embed="rId5" cstate="print">
+            <a:extLst>
+              <a:ext uri="{28A0092B-C50C-407E-A947-70E740481C1C}">
+                <a14:useLocalDpi xmlns:a14="http://schemas.microsoft.com/office/drawing/2010/main" val="0"/>
+              </a:ext>
+            </a:extLst>
+          </a:blip>
+          <a:stretch>
+            <a:fillRect/>
+          </a:stretch>
+        </p:blipFill>
+        <p:spPr>
+          <a:xfrm>
+            <a:off x="255044" y="2498412"/>
+            <a:ext cx="2919470" cy="1459735"/>
+          </a:xfrm>
+          <a:prstGeom prst="rect">
+            <a:avLst/>
+          </a:prstGeom>
+        </p:spPr>
+      </p:pic>
+      <p:pic>
+        <p:nvPicPr>
+          <p:cNvPr id="9" name="Kép 8"/>
+          <p:cNvPicPr>
+            <a:picLocks noChangeAspect="1"/>
+          </p:cNvPicPr>
+          <p:nvPr/>
+        </p:nvPicPr>
+        <p:blipFill>
+          <a:blip r:embed="rId6">
+            <a:extLst>
+              <a:ext uri="{28A0092B-C50C-407E-A947-70E740481C1C}">
+                <a14:useLocalDpi xmlns:a14="http://schemas.microsoft.com/office/drawing/2010/main" val="0"/>
+              </a:ext>
+            </a:extLst>
+          </a:blip>
+          <a:stretch>
+            <a:fillRect/>
+          </a:stretch>
+        </p:blipFill>
+        <p:spPr>
+          <a:xfrm>
+            <a:off x="4176545" y="3571625"/>
+            <a:ext cx="4967455" cy="1314914"/>
+          </a:xfrm>
+          <a:prstGeom prst="rect">
+            <a:avLst/>
+          </a:prstGeom>
+        </p:spPr>
+      </p:pic>
+      <p:pic>
+        <p:nvPicPr>
+          <p:cNvPr id="10" name="Kép 9"/>
+          <p:cNvPicPr>
+            <a:picLocks noChangeAspect="1"/>
+          </p:cNvPicPr>
+          <p:nvPr/>
+        </p:nvPicPr>
+        <p:blipFill>
+          <a:blip r:embed="rId7" cstate="print">
+            <a:extLst>
+              <a:ext uri="{28A0092B-C50C-407E-A947-70E740481C1C}">
+                <a14:useLocalDpi xmlns:a14="http://schemas.microsoft.com/office/drawing/2010/main" val="0"/>
+              </a:ext>
+            </a:extLst>
+          </a:blip>
+          <a:stretch>
+            <a:fillRect/>
+          </a:stretch>
+        </p:blipFill>
+        <p:spPr>
+          <a:xfrm>
+            <a:off x="3581313" y="2283280"/>
+            <a:ext cx="1998768" cy="1499076"/>
+          </a:xfrm>
+          <a:prstGeom prst="rect">
+            <a:avLst/>
+          </a:prstGeom>
+        </p:spPr>
+      </p:pic>
+      <p:pic>
+        <p:nvPicPr>
+          <p:cNvPr id="5" name="Kép 4"/>
+          <p:cNvPicPr>
+            <a:picLocks noChangeAspect="1"/>
+          </p:cNvPicPr>
+          <p:nvPr/>
+        </p:nvPicPr>
+        <p:blipFill>
+          <a:blip r:embed="rId8">
+            <a:extLst>
+              <a:ext uri="{28A0092B-C50C-407E-A947-70E740481C1C}">
+                <a14:useLocalDpi xmlns:a14="http://schemas.microsoft.com/office/drawing/2010/main" val="0"/>
+              </a:ext>
+            </a:extLst>
+          </a:blip>
+          <a:stretch>
+            <a:fillRect/>
+          </a:stretch>
+        </p:blipFill>
+        <p:spPr>
+          <a:xfrm>
+            <a:off x="2355792" y="998405"/>
+            <a:ext cx="2241440" cy="1106711"/>
+          </a:xfrm>
+          <a:prstGeom prst="rect">
+            <a:avLst/>
+          </a:prstGeom>
+        </p:spPr>
+      </p:pic>
+      <p:pic>
+        <p:nvPicPr>
+          <p:cNvPr id="12" name="Tartalom helye 11"/>
+          <p:cNvPicPr>
+            <a:picLocks noGrp="1" noChangeAspect="1"/>
+          </p:cNvPicPr>
+          <p:nvPr>
+            <p:ph idx="1"/>
+          </p:nvPr>
+        </p:nvPicPr>
+        <p:blipFill>
+          <a:blip r:embed="rId9" cstate="print">
+            <a:extLst>
+              <a:ext uri="{28A0092B-C50C-407E-A947-70E740481C1C}">
+                <a14:useLocalDpi xmlns:a14="http://schemas.microsoft.com/office/drawing/2010/main" val="0"/>
+              </a:ext>
+            </a:extLst>
+          </a:blip>
+          <a:stretch>
+            <a:fillRect/>
+          </a:stretch>
+        </p:blipFill>
+        <p:spPr>
+          <a:xfrm>
+            <a:off x="255044" y="998405"/>
+            <a:ext cx="1609023" cy="1426805"/>
+          </a:xfrm>
+        </p:spPr>
+      </p:pic>
+      <p:pic>
+        <p:nvPicPr>
+          <p:cNvPr id="15" name="Kép 14"/>
+          <p:cNvPicPr>
+            <a:picLocks noChangeAspect="1"/>
+          </p:cNvPicPr>
+          <p:nvPr/>
+        </p:nvPicPr>
+        <p:blipFill>
+          <a:blip r:embed="rId10" cstate="print">
+            <a:extLst>
+              <a:ext uri="{28A0092B-C50C-407E-A947-70E740481C1C}">
+                <a14:useLocalDpi xmlns:a14="http://schemas.microsoft.com/office/drawing/2010/main" val="0"/>
+              </a:ext>
+            </a:extLst>
+          </a:blip>
+          <a:stretch>
+            <a:fillRect/>
+          </a:stretch>
+        </p:blipFill>
+        <p:spPr>
+          <a:xfrm>
+            <a:off x="404498" y="3548374"/>
+            <a:ext cx="4065563" cy="1506969"/>
+          </a:xfrm>
+          <a:prstGeom prst="rect">
+            <a:avLst/>
+          </a:prstGeom>
+        </p:spPr>
+      </p:pic>
+    </p:spTree>
+    <p:extLst>
+      <p:ext uri="{BB962C8B-B14F-4D97-AF65-F5344CB8AC3E}">
+        <p14:creationId xmlns:p14="http://schemas.microsoft.com/office/powerpoint/2010/main" val="2614592748"/>
+      </p:ext>
+    </p:extLst>
+  </p:cSld>
+  <p:clrMapOvr>
+    <a:masterClrMapping/>
+  </p:clrMapOvr>
+  <p:timing>
+    <p:tnLst>
+      <p:par>
+        <p:cTn id="1" dur="indefinite" restart="never" nodeType="tmRoot">
+          <p:childTnLst>
+            <p:seq concurrent="1" nextAc="seek">
+              <p:cTn id="2" dur="indefinite" nodeType="mainSeq">
+                <p:childTnLst>
+                  <p:par>
+                    <p:cTn id="3" fill="hold">
+                      <p:stCondLst>
+                        <p:cond delay="indefinite"/>
+                      </p:stCondLst>
+                      <p:childTnLst>
+                        <p:par>
+                          <p:cTn id="4" fill="hold">
+                            <p:stCondLst>
+                              <p:cond delay="0"/>
+                            </p:stCondLst>
+                            <p:childTnLst>
+                              <p:par>
+                                <p:cTn id="5" presetID="10" presetClass="entr" presetSubtype="0" fill="hold" nodeType="clickEffect">
+                                  <p:stCondLst>
+                                    <p:cond delay="0"/>
+                                  </p:stCondLst>
+                                  <p:childTnLst>
+                                    <p:set>
+                                      <p:cBhvr>
+                                        <p:cTn id="6" dur="1" fill="hold">
+                                          <p:stCondLst>
+                                            <p:cond delay="0"/>
+                                          </p:stCondLst>
+                                        </p:cTn>
+                                        <p:tgtEl>
+                                          <p:spTgt spid="6"/>
+                                        </p:tgtEl>
+                                        <p:attrNameLst>
+                                          <p:attrName>style.visibility</p:attrName>
+                                        </p:attrNameLst>
+                                      </p:cBhvr>
+                                      <p:to>
+                                        <p:strVal val="visible"/>
+                                      </p:to>
+                                    </p:set>
+                                    <p:animEffect transition="in" filter="fade">
+                                      <p:cBhvr>
+                                        <p:cTn id="7" dur="500"/>
+                                        <p:tgtEl>
+                                          <p:spTgt spid="6"/>
+                                        </p:tgtEl>
+                                      </p:cBhvr>
+                                    </p:animEffect>
+                                  </p:childTnLst>
+                                </p:cTn>
+                              </p:par>
+                            </p:childTnLst>
+                          </p:cTn>
+                        </p:par>
+                      </p:childTnLst>
+                    </p:cTn>
+                  </p:par>
+                  <p:par>
+                    <p:cTn id="8" fill="hold">
+                      <p:stCondLst>
+                        <p:cond delay="indefinite"/>
+                      </p:stCondLst>
+                      <p:childTnLst>
+                        <p:par>
+                          <p:cTn id="9" fill="hold">
+                            <p:stCondLst>
+                              <p:cond delay="0"/>
+                            </p:stCondLst>
+                            <p:childTnLst>
+                              <p:par>
+                                <p:cTn id="10" presetID="10" presetClass="entr" presetSubtype="0" fill="hold" nodeType="clickEffect">
+                                  <p:stCondLst>
+                                    <p:cond delay="0"/>
+                                  </p:stCondLst>
+                                  <p:childTnLst>
+                                    <p:set>
+                                      <p:cBhvr>
+                                        <p:cTn id="11" dur="1" fill="hold">
+                                          <p:stCondLst>
+                                            <p:cond delay="0"/>
+                                          </p:stCondLst>
+                                        </p:cTn>
+                                        <p:tgtEl>
+                                          <p:spTgt spid="7"/>
+                                        </p:tgtEl>
+                                        <p:attrNameLst>
+                                          <p:attrName>style.visibility</p:attrName>
+                                        </p:attrNameLst>
+                                      </p:cBhvr>
+                                      <p:to>
+                                        <p:strVal val="visible"/>
+                                      </p:to>
+                                    </p:set>
+                                    <p:animEffect transition="in" filter="fade">
+                                      <p:cBhvr>
+                                        <p:cTn id="12" dur="500"/>
+                                        <p:tgtEl>
+                                          <p:spTgt spid="7"/>
+                                        </p:tgtEl>
+                                      </p:cBhvr>
+                                    </p:animEffect>
+                                  </p:childTnLst>
+                                </p:cTn>
+                              </p:par>
+                            </p:childTnLst>
+                          </p:cTn>
+                        </p:par>
+                      </p:childTnLst>
+                    </p:cTn>
+                  </p:par>
+                  <p:par>
+                    <p:cTn id="13" fill="hold">
+                      <p:stCondLst>
+                        <p:cond delay="indefinite"/>
+                      </p:stCondLst>
+                      <p:childTnLst>
+                        <p:par>
+                          <p:cTn id="14" fill="hold">
+                            <p:stCondLst>
+                              <p:cond delay="0"/>
+                            </p:stCondLst>
+                            <p:childTnLst>
+                              <p:par>
+                                <p:cTn id="15" presetID="10" presetClass="entr" presetSubtype="0" fill="hold" nodeType="clickEffect">
+                                  <p:stCondLst>
+                                    <p:cond delay="0"/>
+                                  </p:stCondLst>
+                                  <p:childTnLst>
+                                    <p:set>
+                                      <p:cBhvr>
+                                        <p:cTn id="16" dur="1" fill="hold">
+                                          <p:stCondLst>
+                                            <p:cond delay="0"/>
+                                          </p:stCondLst>
+                                        </p:cTn>
+                                        <p:tgtEl>
+                                          <p:spTgt spid="8"/>
+                                        </p:tgtEl>
+                                        <p:attrNameLst>
+                                          <p:attrName>style.visibility</p:attrName>
+                                        </p:attrNameLst>
+                                      </p:cBhvr>
+                                      <p:to>
+                                        <p:strVal val="visible"/>
+                                      </p:to>
+                                    </p:set>
+                                    <p:animEffect transition="in" filter="fade">
+                                      <p:cBhvr>
+                                        <p:cTn id="17" dur="500"/>
+                                        <p:tgtEl>
+                                          <p:spTgt spid="8"/>
+                                        </p:tgtEl>
+                                      </p:cBhvr>
+                                    </p:animEffect>
+                                  </p:childTnLst>
+                                </p:cTn>
+                              </p:par>
+                              <p:par>
+                                <p:cTn id="18" presetID="10" presetClass="entr" presetSubtype="0" fill="hold" nodeType="withEffect">
+                                  <p:stCondLst>
+                                    <p:cond delay="0"/>
+                                  </p:stCondLst>
+                                  <p:childTnLst>
+                                    <p:set>
+                                      <p:cBhvr>
+                                        <p:cTn id="19" dur="1" fill="hold">
+                                          <p:stCondLst>
+                                            <p:cond delay="0"/>
+                                          </p:stCondLst>
+                                        </p:cTn>
+                                        <p:tgtEl>
+                                          <p:spTgt spid="9"/>
+                                        </p:tgtEl>
+                                        <p:attrNameLst>
+                                          <p:attrName>style.visibility</p:attrName>
+                                        </p:attrNameLst>
+                                      </p:cBhvr>
+                                      <p:to>
+                                        <p:strVal val="visible"/>
+                                      </p:to>
+                                    </p:set>
+                                    <p:animEffect transition="in" filter="fade">
+                                      <p:cBhvr>
+                                        <p:cTn id="20" dur="500"/>
+                                        <p:tgtEl>
+                                          <p:spTgt spid="9"/>
+                                        </p:tgtEl>
+                                      </p:cBhvr>
+                                    </p:animEffect>
+                                  </p:childTnLst>
+                                </p:cTn>
+                              </p:par>
+                            </p:childTnLst>
+                          </p:cTn>
+                        </p:par>
+                      </p:childTnLst>
+                    </p:cTn>
+                  </p:par>
+                  <p:par>
+                    <p:cTn id="21" fill="hold">
+                      <p:stCondLst>
+                        <p:cond delay="indefinite"/>
+                      </p:stCondLst>
+                      <p:childTnLst>
+                        <p:par>
+                          <p:cTn id="22" fill="hold">
+                            <p:stCondLst>
+                              <p:cond delay="0"/>
+                            </p:stCondLst>
+                            <p:childTnLst>
+                              <p:par>
+                                <p:cTn id="23" presetID="10" presetClass="entr" presetSubtype="0" fill="hold" nodeType="clickEffect">
+                                  <p:stCondLst>
+                                    <p:cond delay="0"/>
+                                  </p:stCondLst>
+                                  <p:childTnLst>
+                                    <p:set>
+                                      <p:cBhvr>
+                                        <p:cTn id="24" dur="1" fill="hold">
+                                          <p:stCondLst>
+                                            <p:cond delay="0"/>
+                                          </p:stCondLst>
+                                        </p:cTn>
+                                        <p:tgtEl>
+                                          <p:spTgt spid="10"/>
+                                        </p:tgtEl>
+                                        <p:attrNameLst>
+                                          <p:attrName>style.visibility</p:attrName>
+                                        </p:attrNameLst>
+                                      </p:cBhvr>
+                                      <p:to>
+                                        <p:strVal val="visible"/>
+                                      </p:to>
+                                    </p:set>
+                                    <p:animEffect transition="in" filter="fade">
+                                      <p:cBhvr>
+                                        <p:cTn id="25" dur="500"/>
+                                        <p:tgtEl>
+                                          <p:spTgt spid="10"/>
+                                        </p:tgtEl>
+                                      </p:cBhvr>
+                                    </p:animEffect>
+                                  </p:childTnLst>
+                                </p:cTn>
+                              </p:par>
+                            </p:childTnLst>
+                          </p:cTn>
+                        </p:par>
+                      </p:childTnLst>
+                    </p:cTn>
+                  </p:par>
+                </p:childTnLst>
+              </p:cTn>
+              <p:prevCondLst>
+                <p:cond evt="onPrev" delay="0">
+                  <p:tgtEl>
+                    <p:sldTgt/>
+                  </p:tgtEl>
+                </p:cond>
+              </p:prevCondLst>
+              <p:nextCondLst>
+                <p:cond evt="onNext" delay="0">
+                  <p:tgtEl>
+                    <p:sldTgt/>
+                  </p:tgtEl>
+                </p:cond>
+              </p:nextCondLst>
+            </p:seq>
+          </p:childTnLst>
+        </p:cTn>
+      </p:par>
+    </p:tnLst>
+  </p:timing>
+</p:sld>
+</file>
+
+<file path=ppt/slides/slide5.xml><?xml version="1.0" encoding="utf-8"?>
+<p:sld xmlns:a="http://schemas.openxmlformats.org/drawingml/2006/main" xmlns:r="http://schemas.openxmlformats.org/officeDocument/2006/relationships" xmlns:p="http://schemas.openxmlformats.org/presentationml/2006/main">
+  <p:cSld>
+    <p:spTree>
+      <p:nvGrpSpPr>
+        <p:cNvPr id="1" name=""/>
+        <p:cNvGrpSpPr/>
+        <p:nvPr/>
+      </p:nvGrpSpPr>
+      <p:grpSpPr>
+        <a:xfrm>
+          <a:off x="0" y="0"/>
+          <a:ext cx="0" cy="0"/>
+          <a:chOff x="0" y="0"/>
+          <a:chExt cx="0" cy="0"/>
+        </a:xfrm>
+      </p:grpSpPr>
+      <p:sp>
+        <p:nvSpPr>
+          <p:cNvPr id="2" name="Cím 1"/>
+          <p:cNvSpPr>
+            <a:spLocks noGrp="1"/>
+          </p:cNvSpPr>
+          <p:nvPr>
+            <p:ph type="title"/>
+          </p:nvPr>
+        </p:nvSpPr>
+        <p:spPr>
+          <a:xfrm>
+            <a:off x="628650" y="787077"/>
+            <a:ext cx="7886700" cy="480939"/>
+          </a:xfrm>
+        </p:spPr>
+        <p:txBody>
+          <a:bodyPr>
+            <a:noAutofit/>
+          </a:bodyPr>
+          <a:lstStyle/>
+          <a:p>
+            <a:r>
+              <a:rPr lang="hu-HU" sz="3200" b="1" dirty="0"/>
+              <a:t>Az első napok</a:t>
+            </a:r>
+          </a:p>
+        </p:txBody>
+      </p:sp>
+      <p:sp>
+        <p:nvSpPr>
+          <p:cNvPr id="3" name="Alcím 2"/>
+          <p:cNvSpPr>
+            <a:spLocks noGrp="1"/>
+          </p:cNvSpPr>
+          <p:nvPr>
+            <p:ph sz="half" idx="1"/>
+          </p:nvPr>
+        </p:nvSpPr>
+        <p:spPr>
+          <a:xfrm>
+            <a:off x="439838" y="1875099"/>
+            <a:ext cx="4075012" cy="2757624"/>
+          </a:xfrm>
+        </p:spPr>
+        <p:txBody>
+          <a:bodyPr>
+            <a:normAutofit/>
+          </a:bodyPr>
+          <a:lstStyle/>
+          <a:p>
+            <a:r>
+              <a:rPr lang="hu-HU" dirty="0" smtClean="0"/>
+              <a:t>kezdeti lendület</a:t>
+            </a:r>
+          </a:p>
+          <a:p>
+            <a:r>
+              <a:rPr lang="hu-HU" dirty="0" smtClean="0"/>
+              <a:t>kérdések </a:t>
+            </a:r>
+            <a:r>
+              <a:rPr lang="hu-HU" dirty="0" smtClean="0"/>
+              <a:t>sokasága</a:t>
+            </a:r>
+            <a:endParaRPr lang="hu-HU" b="1" dirty="0">
+              <a:latin typeface="+mj-lt"/>
+            </a:endParaRPr>
+          </a:p>
+        </p:txBody>
+      </p:sp>
+      <p:pic>
+        <p:nvPicPr>
+          <p:cNvPr id="6" name="Tartalom helye 5"/>
+          <p:cNvPicPr>
+            <a:picLocks noGrp="1" noChangeAspect="1"/>
+          </p:cNvPicPr>
+          <p:nvPr>
+            <p:ph sz="half" idx="2"/>
+          </p:nvPr>
+        </p:nvPicPr>
+        <p:blipFill>
+          <a:blip r:embed="rId3">
+            <a:extLst>
+              <a:ext uri="{28A0092B-C50C-407E-A947-70E740481C1C}">
+                <a14:useLocalDpi xmlns:a14="http://schemas.microsoft.com/office/drawing/2010/main" val="0"/>
+              </a:ext>
+            </a:extLst>
+          </a:blip>
+          <a:stretch>
+            <a:fillRect/>
+          </a:stretch>
+        </p:blipFill>
+        <p:spPr>
+          <a:xfrm>
+            <a:off x="4629150" y="1543844"/>
+            <a:ext cx="3886200" cy="2914650"/>
+          </a:xfrm>
+        </p:spPr>
+      </p:pic>
+    </p:spTree>
+    <p:extLst>
+      <p:ext uri="{BB962C8B-B14F-4D97-AF65-F5344CB8AC3E}">
+        <p14:creationId xmlns:p14="http://schemas.microsoft.com/office/powerpoint/2010/main" val="3774048578"/>
+      </p:ext>
+    </p:extLst>
+  </p:cSld>
+  <p:clrMapOvr>
+    <a:masterClrMapping/>
+  </p:clrMapOvr>
+  <p:timing>
+    <p:tnLst>
+      <p:par>
+        <p:cTn id="1" dur="indefinite" restart="never" nodeType="tmRoot"/>
+      </p:par>
+    </p:tnLst>
+  </p:timing>
+</p:sld>
+</file>
+
+<file path=ppt/slides/slide6.xml><?xml version="1.0" encoding="utf-8"?>
+<p:sld xmlns:a="http://schemas.openxmlformats.org/drawingml/2006/main" xmlns:r="http://schemas.openxmlformats.org/officeDocument/2006/relationships" xmlns:p="http://schemas.openxmlformats.org/presentationml/2006/main">
+  <p:cSld>
+    <p:spTree>
+      <p:nvGrpSpPr>
+        <p:cNvPr id="1" name=""/>
+        <p:cNvGrpSpPr/>
+        <p:nvPr/>
+      </p:nvGrpSpPr>
+      <p:grpSpPr>
+        <a:xfrm>
+          <a:off x="0" y="0"/>
+          <a:ext cx="0" cy="0"/>
+          <a:chOff x="0" y="0"/>
+          <a:chExt cx="0" cy="0"/>
+        </a:xfrm>
+      </p:grpSpPr>
+      <p:sp>
+        <p:nvSpPr>
+          <p:cNvPr id="2" name="Cím 1"/>
+          <p:cNvSpPr>
+            <a:spLocks noGrp="1"/>
+          </p:cNvSpPr>
+          <p:nvPr>
+            <p:ph type="title"/>
+          </p:nvPr>
+        </p:nvSpPr>
+        <p:spPr>
+          <a:xfrm>
+            <a:off x="628650" y="775503"/>
+            <a:ext cx="7886700" cy="492513"/>
+          </a:xfrm>
+        </p:spPr>
+        <p:txBody>
+          <a:bodyPr>
+            <a:noAutofit/>
+          </a:bodyPr>
+          <a:lstStyle/>
+          <a:p>
+            <a:r>
+              <a:rPr lang="hu-HU" sz="3200" b="1" dirty="0" smtClean="0"/>
+              <a:t>Feladatok, amikben részt vettem</a:t>
+            </a:r>
+            <a:endParaRPr lang="hu-HU" sz="3200" b="1" dirty="0"/>
+          </a:p>
+        </p:txBody>
+      </p:sp>
+      <p:sp>
+        <p:nvSpPr>
+          <p:cNvPr id="3" name="Tartalom helye 2"/>
+          <p:cNvSpPr>
+            <a:spLocks noGrp="1"/>
+          </p:cNvSpPr>
+          <p:nvPr>
+            <p:ph sz="half" idx="1"/>
+          </p:nvPr>
+        </p:nvSpPr>
+        <p:spPr>
+          <a:xfrm>
+            <a:off x="432487" y="1851949"/>
+            <a:ext cx="4196664" cy="2780774"/>
+          </a:xfrm>
+        </p:spPr>
+        <p:txBody>
+          <a:bodyPr>
+            <a:normAutofit/>
+          </a:bodyPr>
+          <a:lstStyle/>
+          <a:p>
+            <a:r>
+              <a:rPr lang="hu-HU" dirty="0" smtClean="0"/>
+              <a:t>regisztráció</a:t>
+            </a:r>
+          </a:p>
+          <a:p>
+            <a:r>
+              <a:rPr lang="hu-HU" dirty="0" smtClean="0"/>
+              <a:t>közös fejléc kialakítása</a:t>
+            </a:r>
+          </a:p>
+          <a:p>
+            <a:r>
+              <a:rPr lang="hu-HU" dirty="0" smtClean="0"/>
+              <a:t>távoli kommunikáció</a:t>
+            </a:r>
+          </a:p>
+          <a:p>
+            <a:r>
+              <a:rPr lang="hu-HU" dirty="0"/>
+              <a:t>bejelentkezett felhasználók </a:t>
+            </a:r>
+            <a:r>
+              <a:rPr lang="hu-HU" dirty="0" smtClean="0"/>
+              <a:t>kezelése</a:t>
+            </a:r>
+            <a:endParaRPr lang="hu-HU" dirty="0"/>
+          </a:p>
+        </p:txBody>
+      </p:sp>
+      <p:pic>
+        <p:nvPicPr>
+          <p:cNvPr id="5" name="Tartalom helye 4"/>
+          <p:cNvPicPr>
+            <a:picLocks noGrp="1" noChangeAspect="1"/>
+          </p:cNvPicPr>
+          <p:nvPr>
+            <p:ph sz="half" idx="2"/>
+          </p:nvPr>
+        </p:nvPicPr>
+        <p:blipFill>
+          <a:blip r:embed="rId2">
+            <a:extLst>
+              <a:ext uri="{28A0092B-C50C-407E-A947-70E740481C1C}">
+                <a14:useLocalDpi xmlns:a14="http://schemas.microsoft.com/office/drawing/2010/main" val="0"/>
+              </a:ext>
+            </a:extLst>
+          </a:blip>
+          <a:stretch>
+            <a:fillRect/>
+          </a:stretch>
+        </p:blipFill>
+        <p:spPr>
+          <a:xfrm>
+            <a:off x="5307788" y="1370013"/>
+            <a:ext cx="2528924" cy="3262312"/>
+          </a:xfrm>
+        </p:spPr>
+      </p:pic>
+    </p:spTree>
+    <p:extLst>
+      <p:ext uri="{BB962C8B-B14F-4D97-AF65-F5344CB8AC3E}">
+        <p14:creationId xmlns:p14="http://schemas.microsoft.com/office/powerpoint/2010/main" val="2423911578"/>
+      </p:ext>
+    </p:extLst>
+  </p:cSld>
+  <p:clrMapOvr>
+    <a:masterClrMapping/>
+  </p:clrMapOvr>
+  <p:timing>
+    <p:tnLst>
+      <p:par>
+        <p:cTn id="1" dur="indefinite" restart="never" nodeType="tmRoot"/>
+      </p:par>
+    </p:tnLst>
+  </p:timing>
+</p:sld>
+</file>
+
+<file path=ppt/slides/slide7.xml><?xml version="1.0" encoding="utf-8"?>
+<p:sld xmlns:a="http://schemas.openxmlformats.org/drawingml/2006/main" xmlns:r="http://schemas.openxmlformats.org/officeDocument/2006/relationships" xmlns:p="http://schemas.openxmlformats.org/presentationml/2006/main">
+  <p:cSld>
+    <p:spTree>
+      <p:nvGrpSpPr>
+        <p:cNvPr id="1" name=""/>
+        <p:cNvGrpSpPr/>
+        <p:nvPr/>
+      </p:nvGrpSpPr>
+      <p:grpSpPr>
+        <a:xfrm>
+          <a:off x="0" y="0"/>
+          <a:ext cx="0" cy="0"/>
+          <a:chOff x="0" y="0"/>
+          <a:chExt cx="0" cy="0"/>
+        </a:xfrm>
+      </p:grpSpPr>
+      <p:sp>
+        <p:nvSpPr>
+          <p:cNvPr id="2" name="Cím 1"/>
+          <p:cNvSpPr>
+            <a:spLocks noGrp="1"/>
+          </p:cNvSpPr>
+          <p:nvPr>
+            <p:ph type="title"/>
+          </p:nvPr>
+        </p:nvSpPr>
+        <p:spPr>
+          <a:xfrm>
+            <a:off x="628650" y="775503"/>
+            <a:ext cx="7886700" cy="492513"/>
+          </a:xfrm>
+        </p:spPr>
+        <p:txBody>
+          <a:bodyPr>
+            <a:noAutofit/>
+          </a:bodyPr>
+          <a:lstStyle/>
+          <a:p>
+            <a:r>
+              <a:rPr lang="hu-HU" sz="3200" b="1" dirty="0" smtClean="0"/>
+              <a:t>Feladatok, amikben részt vettem</a:t>
+            </a:r>
+            <a:endParaRPr lang="hu-HU" sz="3200" b="1" dirty="0"/>
+          </a:p>
+        </p:txBody>
+      </p:sp>
+      <p:sp>
+        <p:nvSpPr>
+          <p:cNvPr id="3" name="Tartalom helye 2"/>
+          <p:cNvSpPr>
+            <a:spLocks noGrp="1"/>
+          </p:cNvSpPr>
+          <p:nvPr>
+            <p:ph sz="half" idx="1"/>
+          </p:nvPr>
+        </p:nvSpPr>
+        <p:spPr>
+          <a:xfrm>
+            <a:off x="407773" y="1851949"/>
+            <a:ext cx="4221378" cy="2780774"/>
+          </a:xfrm>
+        </p:spPr>
+        <p:txBody>
+          <a:bodyPr>
+            <a:normAutofit/>
+          </a:bodyPr>
+          <a:lstStyle/>
+          <a:p>
+            <a:r>
+              <a:rPr lang="hu-HU" dirty="0" err="1" smtClean="0"/>
+              <a:t>validálás</a:t>
+            </a:r>
+            <a:r>
+              <a:rPr lang="hu-HU" dirty="0" smtClean="0"/>
+              <a:t>, visszajelzés</a:t>
+            </a:r>
+          </a:p>
+          <a:p>
+            <a:r>
+              <a:rPr lang="hu-HU" dirty="0" smtClean="0"/>
+              <a:t>felhasználói profil</a:t>
+            </a:r>
+          </a:p>
+          <a:p>
+            <a:r>
+              <a:rPr lang="hu-HU" dirty="0" smtClean="0"/>
+              <a:t>közös lista</a:t>
+            </a:r>
+          </a:p>
+          <a:p>
+            <a:r>
+              <a:rPr lang="hu-HU" dirty="0" err="1" smtClean="0"/>
+              <a:t>refactoring</a:t>
+            </a:r>
+            <a:endParaRPr lang="hu-HU" dirty="0"/>
+          </a:p>
+        </p:txBody>
+      </p:sp>
+      <p:pic>
+        <p:nvPicPr>
+          <p:cNvPr id="6" name="Tartalom helye 5"/>
+          <p:cNvPicPr>
+            <a:picLocks noGrp="1" noChangeAspect="1"/>
+          </p:cNvPicPr>
+          <p:nvPr>
+            <p:ph sz="half" idx="2"/>
+          </p:nvPr>
+        </p:nvPicPr>
+        <p:blipFill>
+          <a:blip r:embed="rId2">
+            <a:extLst>
+              <a:ext uri="{28A0092B-C50C-407E-A947-70E740481C1C}">
+                <a14:useLocalDpi xmlns:a14="http://schemas.microsoft.com/office/drawing/2010/main" val="0"/>
+              </a:ext>
+            </a:extLst>
+          </a:blip>
+          <a:stretch>
+            <a:fillRect/>
+          </a:stretch>
+        </p:blipFill>
+        <p:spPr>
+          <a:xfrm>
+            <a:off x="4629150" y="1706721"/>
+            <a:ext cx="3886200" cy="2588895"/>
+          </a:xfrm>
+        </p:spPr>
+      </p:pic>
+    </p:spTree>
+    <p:extLst>
+      <p:ext uri="{BB962C8B-B14F-4D97-AF65-F5344CB8AC3E}">
+        <p14:creationId xmlns:p14="http://schemas.microsoft.com/office/powerpoint/2010/main" val="2352462969"/>
+      </p:ext>
+    </p:extLst>
+  </p:cSld>
+  <p:clrMapOvr>
+    <a:masterClrMapping/>
+  </p:clrMapOvr>
+  <p:timing>
+    <p:tnLst>
+      <p:par>
+        <p:cTn id="1" dur="indefinite" restart="never" nodeType="tmRoot"/>
+      </p:par>
+    </p:tnLst>
+  </p:timing>
+</p:sld>
+</file>
+
+<file path=ppt/slides/slide8.xml><?xml version="1.0" encoding="utf-8"?>
+<p:sld xmlns:a="http://schemas.openxmlformats.org/drawingml/2006/main" xmlns:r="http://schemas.openxmlformats.org/officeDocument/2006/relationships" xmlns:p="http://schemas.openxmlformats.org/presentationml/2006/main">
+  <p:cSld>
+    <p:spTree>
+      <p:nvGrpSpPr>
+        <p:cNvPr id="1" name=""/>
+        <p:cNvGrpSpPr/>
+        <p:nvPr/>
+      </p:nvGrpSpPr>
+      <p:grpSpPr>
+        <a:xfrm>
+          <a:off x="0" y="0"/>
+          <a:ext cx="0" cy="0"/>
+          <a:chOff x="0" y="0"/>
+          <a:chExt cx="0" cy="0"/>
+        </a:xfrm>
+      </p:grpSpPr>
+      <p:sp>
+        <p:nvSpPr>
+          <p:cNvPr id="2" name="Cím 1"/>
+          <p:cNvSpPr>
+            <a:spLocks noGrp="1"/>
+          </p:cNvSpPr>
+          <p:nvPr>
+            <p:ph type="title"/>
+          </p:nvPr>
+        </p:nvSpPr>
+        <p:spPr>
+          <a:xfrm>
+            <a:off x="628650" y="775503"/>
+            <a:ext cx="7886700" cy="492513"/>
+          </a:xfrm>
+        </p:spPr>
+        <p:txBody>
+          <a:bodyPr>
+            <a:noAutofit/>
+          </a:bodyPr>
+          <a:lstStyle/>
+          <a:p>
+            <a:r>
+              <a:rPr lang="hu-HU" sz="3200" b="1" dirty="0" smtClean="0"/>
+              <a:t>Kihívások</a:t>
+            </a:r>
+            <a:endParaRPr lang="hu-HU" sz="3200" b="1" dirty="0"/>
+          </a:p>
+        </p:txBody>
+      </p:sp>
+      <p:sp>
+        <p:nvSpPr>
+          <p:cNvPr id="3" name="Tartalom helye 2"/>
+          <p:cNvSpPr>
+            <a:spLocks noGrp="1"/>
+          </p:cNvSpPr>
+          <p:nvPr>
+            <p:ph sz="half" idx="1"/>
+          </p:nvPr>
+        </p:nvSpPr>
+        <p:spPr>
+          <a:xfrm>
+            <a:off x="407773" y="1851949"/>
+            <a:ext cx="4221378" cy="2780774"/>
+          </a:xfrm>
+        </p:spPr>
+        <p:txBody>
+          <a:bodyPr/>
+          <a:lstStyle/>
+          <a:p>
+            <a:r>
+              <a:rPr lang="hu-HU" dirty="0" smtClean="0"/>
+              <a:t>„ismeretlen terep”</a:t>
+            </a:r>
+          </a:p>
+          <a:p>
+            <a:r>
+              <a:rPr lang="hu-HU" dirty="0" smtClean="0"/>
+              <a:t>tranzakciós hiba</a:t>
+            </a:r>
+            <a:endParaRPr lang="hu-HU" dirty="0"/>
+          </a:p>
+        </p:txBody>
+      </p:sp>
+      <p:pic>
+        <p:nvPicPr>
+          <p:cNvPr id="5" name="Tartalom helye 4"/>
+          <p:cNvPicPr>
+            <a:picLocks noGrp="1" noChangeAspect="1"/>
+          </p:cNvPicPr>
+          <p:nvPr>
+            <p:ph sz="half" idx="2"/>
+          </p:nvPr>
+        </p:nvPicPr>
+        <p:blipFill>
+          <a:blip r:embed="rId2" cstate="print">
+            <a:extLst>
+              <a:ext uri="{28A0092B-C50C-407E-A947-70E740481C1C}">
+                <a14:useLocalDpi xmlns:a14="http://schemas.microsoft.com/office/drawing/2010/main" val="0"/>
+              </a:ext>
+            </a:extLst>
+          </a:blip>
+          <a:stretch>
+            <a:fillRect/>
+          </a:stretch>
+        </p:blipFill>
+        <p:spPr>
+          <a:xfrm>
+            <a:off x="4629150" y="1543844"/>
+            <a:ext cx="3886200" cy="2914650"/>
+          </a:xfrm>
+        </p:spPr>
+      </p:pic>
+    </p:spTree>
+    <p:extLst>
+      <p:ext uri="{BB962C8B-B14F-4D97-AF65-F5344CB8AC3E}">
+        <p14:creationId xmlns:p14="http://schemas.microsoft.com/office/powerpoint/2010/main" val="2426758009"/>
+      </p:ext>
+    </p:extLst>
+  </p:cSld>
+  <p:clrMapOvr>
+    <a:masterClrMapping/>
+  </p:clrMapOvr>
+  <p:timing>
+    <p:tnLst>
+      <p:par>
+        <p:cTn id="1" dur="indefinite" restart="never" nodeType="tmRoot"/>
+      </p:par>
+    </p:tnLst>
+  </p:timing>
+</p:sld>
+</file>
+
+<file path=ppt/slides/slide9.xml><?xml version="1.0" encoding="utf-8"?>
+<p:sld xmlns:a="http://schemas.openxmlformats.org/drawingml/2006/main" xmlns:r="http://schemas.openxmlformats.org/officeDocument/2006/relationships" xmlns:p="http://schemas.openxmlformats.org/presentationml/2006/main">
+  <p:cSld>
+    <p:spTree>
+      <p:nvGrpSpPr>
+        <p:cNvPr id="1" name=""/>
+        <p:cNvGrpSpPr/>
+        <p:nvPr/>
+      </p:nvGrpSpPr>
+      <p:grpSpPr>
+        <a:xfrm>
+          <a:off x="0" y="0"/>
+          <a:ext cx="0" cy="0"/>
+          <a:chOff x="0" y="0"/>
+          <a:chExt cx="0" cy="0"/>
+        </a:xfrm>
+      </p:grpSpPr>
+      <p:sp>
+        <p:nvSpPr>
+          <p:cNvPr id="2" name="Cím 1"/>
+          <p:cNvSpPr>
+            <a:spLocks noGrp="1"/>
+          </p:cNvSpPr>
+          <p:nvPr>
+            <p:ph type="title"/>
+          </p:nvPr>
+        </p:nvSpPr>
+        <p:spPr>
+          <a:xfrm>
+            <a:off x="628650" y="775503"/>
+            <a:ext cx="7886700" cy="492513"/>
+          </a:xfrm>
+        </p:spPr>
+        <p:txBody>
+          <a:bodyPr>
+            <a:noAutofit/>
+          </a:bodyPr>
+          <a:lstStyle/>
+          <a:p>
+            <a:r>
+              <a:rPr lang="hu-HU" sz="3200" b="1" dirty="0" smtClean="0"/>
+              <a:t>Amik legjobban tetszettek</a:t>
+            </a:r>
+            <a:endParaRPr lang="hu-HU" sz="3200" b="1" dirty="0"/>
+          </a:p>
+        </p:txBody>
+      </p:sp>
+      <p:sp>
+        <p:nvSpPr>
+          <p:cNvPr id="3" name="Tartalom helye 2"/>
+          <p:cNvSpPr>
+            <a:spLocks noGrp="1"/>
+          </p:cNvSpPr>
+          <p:nvPr>
+            <p:ph sz="half" idx="1"/>
+          </p:nvPr>
+        </p:nvSpPr>
+        <p:spPr>
+          <a:xfrm>
+            <a:off x="407773" y="1851949"/>
+            <a:ext cx="4221378" cy="2780774"/>
+          </a:xfrm>
+        </p:spPr>
+        <p:txBody>
+          <a:bodyPr/>
+          <a:lstStyle/>
+          <a:p>
+            <a:r>
+              <a:rPr lang="hu-HU" dirty="0" smtClean="0"/>
+              <a:t>csapatmunka</a:t>
+            </a:r>
+          </a:p>
+          <a:p>
+            <a:r>
+              <a:rPr lang="hu-HU" dirty="0" smtClean="0"/>
+              <a:t>segítőkészség</a:t>
+            </a:r>
+          </a:p>
+          <a:p>
+            <a:r>
+              <a:rPr lang="hu-HU" dirty="0" smtClean="0"/>
+              <a:t>„a gumikacsa”</a:t>
+            </a:r>
+          </a:p>
+          <a:p>
+            <a:r>
+              <a:rPr lang="hu-HU" dirty="0" smtClean="0"/>
+              <a:t>az aha-élmény</a:t>
+            </a:r>
+            <a:endParaRPr lang="hu-HU" dirty="0"/>
+          </a:p>
+        </p:txBody>
+      </p:sp>
+      <p:pic>
+        <p:nvPicPr>
+          <p:cNvPr id="8" name="Tartalom helye 7"/>
+          <p:cNvPicPr>
+            <a:picLocks noGrp="1" noChangeAspect="1"/>
+          </p:cNvPicPr>
+          <p:nvPr>
+            <p:ph sz="half" idx="2"/>
+          </p:nvPr>
+        </p:nvPicPr>
+        <p:blipFill>
+          <a:blip r:embed="rId2">
+            <a:extLst>
+              <a:ext uri="{28A0092B-C50C-407E-A947-70E740481C1C}">
+                <a14:useLocalDpi xmlns:a14="http://schemas.microsoft.com/office/drawing/2010/main" val="0"/>
+              </a:ext>
+            </a:extLst>
+          </a:blip>
+          <a:stretch>
+            <a:fillRect/>
+          </a:stretch>
+        </p:blipFill>
+        <p:spPr>
+          <a:xfrm>
+            <a:off x="3248217" y="2088292"/>
+            <a:ext cx="2642887" cy="2642887"/>
+          </a:xfrm>
+        </p:spPr>
+      </p:pic>
+      <p:pic>
+        <p:nvPicPr>
+          <p:cNvPr id="9" name="Kép 8"/>
+          <p:cNvPicPr>
+            <a:picLocks noChangeAspect="1"/>
+          </p:cNvPicPr>
+          <p:nvPr/>
+        </p:nvPicPr>
+        <p:blipFill>
+          <a:blip r:embed="rId3" cstate="print">
+            <a:extLst>
+              <a:ext uri="{28A0092B-C50C-407E-A947-70E740481C1C}">
+                <a14:useLocalDpi xmlns:a14="http://schemas.microsoft.com/office/drawing/2010/main" val="0"/>
+              </a:ext>
+            </a:extLst>
+          </a:blip>
+          <a:stretch>
+            <a:fillRect/>
+          </a:stretch>
+        </p:blipFill>
+        <p:spPr>
+          <a:xfrm>
+            <a:off x="6091798" y="1268016"/>
+            <a:ext cx="2755596" cy="2721576"/>
+          </a:xfrm>
+          <a:prstGeom prst="rect">
+            <a:avLst/>
+          </a:prstGeom>
+        </p:spPr>
+      </p:pic>
+    </p:spTree>
+    <p:extLst>
+      <p:ext uri="{BB962C8B-B14F-4D97-AF65-F5344CB8AC3E}">
+        <p14:creationId xmlns:p14="http://schemas.microsoft.com/office/powerpoint/2010/main" val="20895936"/>
       </p:ext>
     </p:extLst>
   </p:cSld>
@@ -5229,15 +6375,6 @@
 </file>
 
 <file path=customXml/item2.xml><?xml version="1.0" encoding="utf-8"?>
-<?mso-contentType ?>
-<FormTemplates xmlns="http://schemas.microsoft.com/sharepoint/v3/contenttype/forms">
-  <Display>DocumentLibraryForm</Display>
-  <Edit>DocumentLibraryForm</Edit>
-  <New>DocumentLibraryForm</New>
-</FormTemplates>
-</file>
-
-<file path=customXml/item3.xml><?xml version="1.0" encoding="utf-8"?>
 <ct:contentTypeSchema xmlns:ct="http://schemas.microsoft.com/office/2006/metadata/contentType" xmlns:ma="http://schemas.microsoft.com/office/2006/metadata/properties/metaAttributes" ct:_="" ma:_="" ma:contentTypeName="Dokumentum" ma:contentTypeID="0x010100AC862C676857C24E8FC2D32B30708833" ma:contentTypeVersion="2" ma:contentTypeDescription="Új dokumentum létrehozása." ma:contentTypeScope="" ma:versionID="0d2981163f66270cf1daba8c3c407cc5">
   <xsd:schema xmlns:xsd="http://www.w3.org/2001/XMLSchema" xmlns:xs="http://www.w3.org/2001/XMLSchema" xmlns:p="http://schemas.microsoft.com/office/2006/metadata/properties" xmlns:ns2="9a324a02-be43-499b-8089-7896e70993e7" targetNamespace="http://schemas.microsoft.com/office/2006/metadata/properties" ma:root="true" ma:fieldsID="4ce273e9ed9981a51826152e27a7d1ee" ns2:_="">
     <xsd:import namespace="9a324a02-be43-499b-8089-7896e70993e7"/>
@@ -5385,6 +6522,15 @@
 </ct:contentTypeSchema>
 </file>
 
+<file path=customXml/item3.xml><?xml version="1.0" encoding="utf-8"?>
+<?mso-contentType ?>
+<FormTemplates xmlns="http://schemas.microsoft.com/sharepoint/v3/contenttype/forms">
+  <Display>DocumentLibraryForm</Display>
+  <Edit>DocumentLibraryForm</Edit>
+  <New>DocumentLibraryForm</New>
+</FormTemplates>
+</file>
+
 <file path=customXml/itemProps1.xml><?xml version="1.0" encoding="utf-8"?>
 <ds:datastoreItem xmlns:ds="http://schemas.openxmlformats.org/officeDocument/2006/customXml" ds:itemID="{8E1455B4-EFFE-4AEE-ADC2-FE51D16F6234}">
   <ds:schemaRefs>
@@ -5402,14 +6548,6 @@
 </file>
 
 <file path=customXml/itemProps2.xml><?xml version="1.0" encoding="utf-8"?>
-<ds:datastoreItem xmlns:ds="http://schemas.openxmlformats.org/officeDocument/2006/customXml" ds:itemID="{166AD069-051C-46FD-A0CD-BDE143FEA57D}">
-  <ds:schemaRefs>
-    <ds:schemaRef ds:uri="http://schemas.microsoft.com/sharepoint/v3/contenttype/forms"/>
-  </ds:schemaRefs>
-</ds:datastoreItem>
-</file>
-
-<file path=customXml/itemProps3.xml><?xml version="1.0" encoding="utf-8"?>
 <ds:datastoreItem xmlns:ds="http://schemas.openxmlformats.org/officeDocument/2006/customXml" ds:itemID="{37D0467E-9D91-4319-91FD-90E168EBF15D}">
   <ds:schemaRefs>
     <ds:schemaRef ds:uri="http://schemas.microsoft.com/office/2006/metadata/contentType"/>
@@ -5425,4 +6563,12 @@
     <ds:schemaRef ds:uri="http://schemas.microsoft.com/internal/obd"/>
   </ds:schemaRefs>
 </ds:datastoreItem>
+</file>
+
+<file path=customXml/itemProps3.xml><?xml version="1.0" encoding="utf-8"?>
+<ds:datastoreItem xmlns:ds="http://schemas.openxmlformats.org/officeDocument/2006/customXml" ds:itemID="{166AD069-051C-46FD-A0CD-BDE143FEA57D}">
+  <ds:schemaRefs>
+    <ds:schemaRef ds:uri="http://schemas.microsoft.com/sharepoint/v3/contenttype/forms"/>
+  </ds:schemaRefs>
+</ds:datastoreItem>
 </file>
--- a/presentations/landing/Balogh_Istvan/Balogh_Istvan_prezentacio.pptx
+++ b/presentations/landing/Balogh_Istvan/Balogh_Istvan_prezentacio.pptx
@@ -686,7 +686,15 @@
             </a:r>
             <a:r>
               <a:rPr lang="hu-HU" baseline="0" dirty="0" smtClean="0"/>
-              <a:t> modulon dolgozott, amely adminisztratív feladatokat lát el: felhasználók regisztrációja, SSO (azaz egyszeri bejelentkezés), jogosultságok kezelése a lapok megtekintésére.</a:t>
+              <a:t> modulon dolgozott, amely adminisztratív feladatokat lát el: felhasználók regisztrációja, SSO (azaz egyszeri bejelentkezés</a:t>
+            </a:r>
+            <a:r>
+              <a:rPr lang="hu-HU" baseline="0" dirty="0" smtClean="0"/>
+              <a:t>), illetve felhasználói </a:t>
+            </a:r>
+            <a:r>
+              <a:rPr lang="hu-HU" baseline="0" dirty="0" smtClean="0"/>
+              <a:t>jogosultságok kezelése a lapok megtekintésére.</a:t>
             </a:r>
           </a:p>
           <a:p>
@@ -757,7 +765,31 @@
                 <a:ea typeface="+mn-ea"/>
                 <a:cs typeface="+mn-cs"/>
               </a:rPr>
-              <a:t> modulban a hasonlóan a szórakozóhelyként való regisztrációra van lehetőség.</a:t>
+              <a:t> </a:t>
+            </a:r>
+            <a:r>
+              <a:rPr lang="hu-HU" sz="1200" kern="1200" baseline="0" dirty="0" smtClean="0">
+                <a:solidFill>
+                  <a:schemeClr val="tx1"/>
+                </a:solidFill>
+                <a:effectLst/>
+                <a:latin typeface="+mn-lt"/>
+                <a:ea typeface="+mn-ea"/>
+                <a:cs typeface="+mn-cs"/>
+              </a:rPr>
+              <a:t>modulban </a:t>
+            </a:r>
+            <a:r>
+              <a:rPr lang="hu-HU" sz="1200" kern="1200" baseline="0" dirty="0" smtClean="0">
+                <a:solidFill>
+                  <a:schemeClr val="tx1"/>
+                </a:solidFill>
+                <a:effectLst/>
+                <a:latin typeface="+mn-lt"/>
+                <a:ea typeface="+mn-ea"/>
+                <a:cs typeface="+mn-cs"/>
+              </a:rPr>
+              <a:t>hasonlóan a szórakozóhelyként való regisztrációra van lehetőség.</a:t>
             </a:r>
             <a:endParaRPr lang="hu-HU" sz="1200" kern="1200" dirty="0" smtClean="0">
               <a:solidFill>
@@ -872,7 +904,19 @@
             </a:r>
             <a:r>
               <a:rPr lang="hu-HU" baseline="0" dirty="0" smtClean="0"/>
-              <a:t>, a munkafolyamatok modellezésére pedig KANBAN metodológiát használtunk.</a:t>
+              <a:t>, a munkafolyamatok modellezésére pedig KANBAN metodológiát </a:t>
+            </a:r>
+            <a:r>
+              <a:rPr lang="hu-HU" baseline="0" dirty="0" smtClean="0"/>
+              <a:t>használtunk, amit a </a:t>
+            </a:r>
+            <a:r>
+              <a:rPr lang="hu-HU" baseline="0" dirty="0" err="1" smtClean="0"/>
+              <a:t>Trello</a:t>
+            </a:r>
+            <a:r>
+              <a:rPr lang="hu-HU" baseline="0" dirty="0" smtClean="0"/>
+              <a:t> segítségével oldottunk meg.</a:t>
             </a:r>
             <a:endParaRPr lang="hu-HU" dirty="0"/>
           </a:p>
@@ -972,15 +1016,7 @@
             </a:r>
             <a:r>
               <a:rPr lang="hu-HU" baseline="0" dirty="0" smtClean="0"/>
-              <a:t> asztalt körbeülve mindegyik csapat elkészítette a </a:t>
-            </a:r>
-            <a:r>
-              <a:rPr lang="hu-HU" baseline="0" dirty="0" smtClean="0"/>
-              <a:t>saját modulja </a:t>
-            </a:r>
-            <a:r>
-              <a:rPr lang="hu-HU" baseline="0" dirty="0" smtClean="0"/>
-              <a:t>alapjait. Ezt követően azonban hamar megtört a kezdeti lendület, rengeteg kérdés fogalmazódott meg bennünk az első napokban. Azonban miután ezekre válaszokat kaptunk oktatóinktól, beindult az aktív munka.</a:t>
+              <a:t> asztalt körbeülve mindegyik csapat elkészítette a saját modulja alapjait. Ezt követően azonban hamar megtört a kezdeti lendület, rengeteg kérdés fogalmazódott meg bennünk az első napokban. Azonban miután ezekre válaszokat kaptunk oktatóinktól, beindult az aktív munka.</a:t>
             </a:r>
             <a:endParaRPr lang="hu-HU" dirty="0"/>
           </a:p>
@@ -4323,8 +4359,8 @@
         </p:nvSpPr>
         <p:spPr>
           <a:xfrm>
-            <a:off x="846306" y="2280525"/>
-            <a:ext cx="3745149" cy="769441"/>
+            <a:off x="393896" y="2308660"/>
+            <a:ext cx="4403188" cy="892552"/>
           </a:xfrm>
           <a:prstGeom prst="rect">
             <a:avLst/>
@@ -4339,21 +4375,21 @@
           <a:p>
             <a:pPr algn="ctr"/>
             <a:r>
-              <a:rPr lang="hu-HU" sz="2400" b="1" dirty="0" smtClean="0"/>
+              <a:rPr lang="hu-HU" sz="2800" b="1" dirty="0" smtClean="0"/>
               <a:t>Balogh István</a:t>
             </a:r>
           </a:p>
           <a:p>
             <a:pPr algn="ctr"/>
             <a:r>
-              <a:rPr lang="hu-HU" sz="2000" dirty="0" smtClean="0"/>
+              <a:rPr lang="hu-HU" sz="2400" dirty="0" smtClean="0"/>
               <a:t>Programtervező informatikus </a:t>
             </a:r>
             <a:r>
-              <a:rPr lang="hu-HU" sz="2000" dirty="0" err="1" smtClean="0"/>
+              <a:rPr lang="hu-HU" sz="2400" dirty="0" err="1" smtClean="0"/>
               <a:t>BSc</a:t>
             </a:r>
-            <a:endParaRPr lang="hu-HU" sz="2000" dirty="0"/>
+            <a:endParaRPr lang="hu-HU" sz="2400" dirty="0"/>
           </a:p>
         </p:txBody>
       </p:sp>
@@ -4406,8 +4442,8 @@
         </p:nvSpPr>
         <p:spPr>
           <a:xfrm>
-            <a:off x="628650" y="815926"/>
-            <a:ext cx="7886700" cy="452090"/>
+            <a:off x="628650" y="942534"/>
+            <a:ext cx="7886700" cy="534573"/>
           </a:xfrm>
         </p:spPr>
         <p:txBody>
@@ -4604,7 +4640,7 @@
         </p:blipFill>
         <p:spPr>
           <a:xfrm>
-            <a:off x="4971920" y="820240"/>
+            <a:off x="5338565" y="1004402"/>
             <a:ext cx="1950719" cy="1463040"/>
           </a:xfrm>
           <a:prstGeom prst="rect">
@@ -4634,7 +4670,7 @@
         </p:blipFill>
         <p:spPr>
           <a:xfrm>
-            <a:off x="7297327" y="2085334"/>
+            <a:off x="8030617" y="1035372"/>
             <a:ext cx="1016000" cy="1463040"/>
           </a:xfrm>
           <a:prstGeom prst="rect">
@@ -4754,7 +4790,7 @@
         </p:blipFill>
         <p:spPr>
           <a:xfrm>
-            <a:off x="2355792" y="998405"/>
+            <a:off x="2605400" y="1035372"/>
             <a:ext cx="2241440" cy="1106711"/>
           </a:xfrm>
           <a:prstGeom prst="rect">
@@ -4821,6 +4857,36 @@
           </a:prstGeom>
         </p:spPr>
       </p:pic>
+      <p:pic>
+        <p:nvPicPr>
+          <p:cNvPr id="2" name="Kép 1"/>
+          <p:cNvPicPr>
+            <a:picLocks noChangeAspect="1"/>
+          </p:cNvPicPr>
+          <p:nvPr/>
+        </p:nvPicPr>
+        <p:blipFill>
+          <a:blip r:embed="rId11" cstate="print">
+            <a:extLst>
+              <a:ext uri="{28A0092B-C50C-407E-A947-70E740481C1C}">
+                <a14:useLocalDpi xmlns:a14="http://schemas.microsoft.com/office/drawing/2010/main" val="0"/>
+              </a:ext>
+            </a:extLst>
+          </a:blip>
+          <a:stretch>
+            <a:fillRect/>
+          </a:stretch>
+        </p:blipFill>
+        <p:spPr>
+          <a:xfrm>
+            <a:off x="5920016" y="2757039"/>
+            <a:ext cx="3066525" cy="942480"/>
+          </a:xfrm>
+          <a:prstGeom prst="rect">
+            <a:avLst/>
+          </a:prstGeom>
+        </p:spPr>
+      </p:pic>
     </p:spTree>
     <p:extLst>
       <p:ext uri="{BB962C8B-B14F-4D97-AF65-F5344CB8AC3E}">
@@ -4843,6 +4909,9 @@
                     <p:cTn id="3" fill="hold">
                       <p:stCondLst>
                         <p:cond delay="indefinite"/>
+                        <p:cond evt="onBegin" delay="0">
+                          <p:tn val="2"/>
+                        </p:cond>
                       </p:stCondLst>
                       <p:childTnLst>
                         <p:par>
@@ -4852,7 +4921,7 @@
                             </p:stCondLst>
                             <p:childTnLst>
                               <p:par>
-                                <p:cTn id="5" presetID="10" presetClass="entr" presetSubtype="0" fill="hold" nodeType="clickEffect">
+                                <p:cTn id="5" presetID="2" presetClass="entr" presetSubtype="4" fill="hold" nodeType="afterEffect">
                                   <p:stCondLst>
                                     <p:cond delay="0"/>
                                   </p:stCondLst>
@@ -4860,6 +4929,170 @@
                                     <p:set>
                                       <p:cBhvr>
                                         <p:cTn id="6" dur="1" fill="hold">
+                                          <p:stCondLst>
+                                            <p:cond delay="0"/>
+                                          </p:stCondLst>
+                                        </p:cTn>
+                                        <p:tgtEl>
+                                          <p:spTgt spid="12"/>
+                                        </p:tgtEl>
+                                        <p:attrNameLst>
+                                          <p:attrName>style.visibility</p:attrName>
+                                        </p:attrNameLst>
+                                      </p:cBhvr>
+                                      <p:to>
+                                        <p:strVal val="visible"/>
+                                      </p:to>
+                                    </p:set>
+                                    <p:anim calcmode="lin" valueType="num">
+                                      <p:cBhvr additive="base">
+                                        <p:cTn id="7" dur="1000" fill="hold"/>
+                                        <p:tgtEl>
+                                          <p:spTgt spid="12"/>
+                                        </p:tgtEl>
+                                        <p:attrNameLst>
+                                          <p:attrName>ppt_x</p:attrName>
+                                        </p:attrNameLst>
+                                      </p:cBhvr>
+                                      <p:tavLst>
+                                        <p:tav tm="0">
+                                          <p:val>
+                                            <p:strVal val="#ppt_x"/>
+                                          </p:val>
+                                        </p:tav>
+                                        <p:tav tm="100000">
+                                          <p:val>
+                                            <p:strVal val="#ppt_x"/>
+                                          </p:val>
+                                        </p:tav>
+                                      </p:tavLst>
+                                    </p:anim>
+                                    <p:anim calcmode="lin" valueType="num">
+                                      <p:cBhvr additive="base">
+                                        <p:cTn id="8" dur="1000" fill="hold"/>
+                                        <p:tgtEl>
+                                          <p:spTgt spid="12"/>
+                                        </p:tgtEl>
+                                        <p:attrNameLst>
+                                          <p:attrName>ppt_y</p:attrName>
+                                        </p:attrNameLst>
+                                      </p:cBhvr>
+                                      <p:tavLst>
+                                        <p:tav tm="0">
+                                          <p:val>
+                                            <p:strVal val="1+#ppt_h/2"/>
+                                          </p:val>
+                                        </p:tav>
+                                        <p:tav tm="100000">
+                                          <p:val>
+                                            <p:strVal val="#ppt_y"/>
+                                          </p:val>
+                                        </p:tav>
+                                      </p:tavLst>
+                                    </p:anim>
+                                  </p:childTnLst>
+                                </p:cTn>
+                              </p:par>
+                            </p:childTnLst>
+                          </p:cTn>
+                        </p:par>
+                        <p:par>
+                          <p:cTn id="9" fill="hold">
+                            <p:stCondLst>
+                              <p:cond delay="1000"/>
+                            </p:stCondLst>
+                            <p:childTnLst>
+                              <p:par>
+                                <p:cTn id="10" presetID="2" presetClass="entr" presetSubtype="4" fill="hold" nodeType="afterEffect">
+                                  <p:stCondLst>
+                                    <p:cond delay="0"/>
+                                  </p:stCondLst>
+                                  <p:childTnLst>
+                                    <p:set>
+                                      <p:cBhvr>
+                                        <p:cTn id="11" dur="1" fill="hold">
+                                          <p:stCondLst>
+                                            <p:cond delay="0"/>
+                                          </p:stCondLst>
+                                        </p:cTn>
+                                        <p:tgtEl>
+                                          <p:spTgt spid="5"/>
+                                        </p:tgtEl>
+                                        <p:attrNameLst>
+                                          <p:attrName>style.visibility</p:attrName>
+                                        </p:attrNameLst>
+                                      </p:cBhvr>
+                                      <p:to>
+                                        <p:strVal val="visible"/>
+                                      </p:to>
+                                    </p:set>
+                                    <p:anim calcmode="lin" valueType="num">
+                                      <p:cBhvr additive="base">
+                                        <p:cTn id="12" dur="1000" fill="hold"/>
+                                        <p:tgtEl>
+                                          <p:spTgt spid="5"/>
+                                        </p:tgtEl>
+                                        <p:attrNameLst>
+                                          <p:attrName>ppt_x</p:attrName>
+                                        </p:attrNameLst>
+                                      </p:cBhvr>
+                                      <p:tavLst>
+                                        <p:tav tm="0">
+                                          <p:val>
+                                            <p:strVal val="#ppt_x"/>
+                                          </p:val>
+                                        </p:tav>
+                                        <p:tav tm="100000">
+                                          <p:val>
+                                            <p:strVal val="#ppt_x"/>
+                                          </p:val>
+                                        </p:tav>
+                                      </p:tavLst>
+                                    </p:anim>
+                                    <p:anim calcmode="lin" valueType="num">
+                                      <p:cBhvr additive="base">
+                                        <p:cTn id="13" dur="1000" fill="hold"/>
+                                        <p:tgtEl>
+                                          <p:spTgt spid="5"/>
+                                        </p:tgtEl>
+                                        <p:attrNameLst>
+                                          <p:attrName>ppt_y</p:attrName>
+                                        </p:attrNameLst>
+                                      </p:cBhvr>
+                                      <p:tavLst>
+                                        <p:tav tm="0">
+                                          <p:val>
+                                            <p:strVal val="1+#ppt_h/2"/>
+                                          </p:val>
+                                        </p:tav>
+                                        <p:tav tm="100000">
+                                          <p:val>
+                                            <p:strVal val="#ppt_y"/>
+                                          </p:val>
+                                        </p:tav>
+                                      </p:tavLst>
+                                    </p:anim>
+                                  </p:childTnLst>
+                                </p:cTn>
+                              </p:par>
+                            </p:childTnLst>
+                          </p:cTn>
+                        </p:par>
+                        <p:par>
+                          <p:cTn id="14" fill="hold">
+                            <p:stCondLst>
+                              <p:cond delay="2000"/>
+                            </p:stCondLst>
+                            <p:childTnLst>
+                              <p:par>
+                                <p:cTn id="15" presetID="2" presetClass="entr" presetSubtype="4" fill="hold" nodeType="afterEffect">
+                                  <p:stCondLst>
+                                    <p:cond delay="0"/>
+                                  </p:stCondLst>
+                                  <p:childTnLst>
+                                    <p:set>
+                                      <p:cBhvr>
+                                        <p:cTn id="16" dur="1" fill="hold">
                                           <p:stCondLst>
                                             <p:cond delay="0"/>
                                           </p:stCondLst>
@@ -4875,44 +5108,73 @@
                                         <p:strVal val="visible"/>
                                       </p:to>
                                     </p:set>
-                                    <p:animEffect transition="in" filter="fade">
-                                      <p:cBhvr>
-                                        <p:cTn id="7" dur="500"/>
+                                    <p:anim calcmode="lin" valueType="num">
+                                      <p:cBhvr additive="base">
+                                        <p:cTn id="17" dur="1000" fill="hold"/>
                                         <p:tgtEl>
                                           <p:spTgt spid="6"/>
                                         </p:tgtEl>
+                                        <p:attrNameLst>
+                                          <p:attrName>ppt_x</p:attrName>
+                                        </p:attrNameLst>
                                       </p:cBhvr>
-                                    </p:animEffect>
+                                      <p:tavLst>
+                                        <p:tav tm="0">
+                                          <p:val>
+                                            <p:strVal val="#ppt_x"/>
+                                          </p:val>
+                                        </p:tav>
+                                        <p:tav tm="100000">
+                                          <p:val>
+                                            <p:strVal val="#ppt_x"/>
+                                          </p:val>
+                                        </p:tav>
+                                      </p:tavLst>
+                                    </p:anim>
+                                    <p:anim calcmode="lin" valueType="num">
+                                      <p:cBhvr additive="base">
+                                        <p:cTn id="18" dur="1000" fill="hold"/>
+                                        <p:tgtEl>
+                                          <p:spTgt spid="6"/>
+                                        </p:tgtEl>
+                                        <p:attrNameLst>
+                                          <p:attrName>ppt_y</p:attrName>
+                                        </p:attrNameLst>
+                                      </p:cBhvr>
+                                      <p:tavLst>
+                                        <p:tav tm="0">
+                                          <p:val>
+                                            <p:strVal val="1+#ppt_h/2"/>
+                                          </p:val>
+                                        </p:tav>
+                                        <p:tav tm="100000">
+                                          <p:val>
+                                            <p:strVal val="#ppt_y"/>
+                                          </p:val>
+                                        </p:tav>
+                                      </p:tavLst>
+                                    </p:anim>
                                   </p:childTnLst>
                                 </p:cTn>
                               </p:par>
                             </p:childTnLst>
                           </p:cTn>
                         </p:par>
-                      </p:childTnLst>
-                    </p:cTn>
-                  </p:par>
-                  <p:par>
-                    <p:cTn id="8" fill="hold">
-                      <p:stCondLst>
-                        <p:cond delay="indefinite"/>
-                      </p:stCondLst>
-                      <p:childTnLst>
                         <p:par>
-                          <p:cTn id="9" fill="hold">
+                          <p:cTn id="19" fill="hold">
                             <p:stCondLst>
-                              <p:cond delay="0"/>
+                              <p:cond delay="3000"/>
                             </p:stCondLst>
                             <p:childTnLst>
                               <p:par>
-                                <p:cTn id="10" presetID="10" presetClass="entr" presetSubtype="0" fill="hold" nodeType="clickEffect">
+                                <p:cTn id="20" presetID="2" presetClass="entr" presetSubtype="4" fill="hold" nodeType="afterEffect">
                                   <p:stCondLst>
                                     <p:cond delay="0"/>
                                   </p:stCondLst>
                                   <p:childTnLst>
                                     <p:set>
                                       <p:cBhvr>
-                                        <p:cTn id="11" dur="1" fill="hold">
+                                        <p:cTn id="21" dur="1" fill="hold">
                                           <p:stCondLst>
                                             <p:cond delay="0"/>
                                           </p:stCondLst>
@@ -4928,44 +5190,73 @@
                                         <p:strVal val="visible"/>
                                       </p:to>
                                     </p:set>
-                                    <p:animEffect transition="in" filter="fade">
-                                      <p:cBhvr>
-                                        <p:cTn id="12" dur="500"/>
+                                    <p:anim calcmode="lin" valueType="num">
+                                      <p:cBhvr additive="base">
+                                        <p:cTn id="22" dur="1000" fill="hold"/>
                                         <p:tgtEl>
                                           <p:spTgt spid="7"/>
                                         </p:tgtEl>
+                                        <p:attrNameLst>
+                                          <p:attrName>ppt_x</p:attrName>
+                                        </p:attrNameLst>
                                       </p:cBhvr>
-                                    </p:animEffect>
+                                      <p:tavLst>
+                                        <p:tav tm="0">
+                                          <p:val>
+                                            <p:strVal val="#ppt_x"/>
+                                          </p:val>
+                                        </p:tav>
+                                        <p:tav tm="100000">
+                                          <p:val>
+                                            <p:strVal val="#ppt_x"/>
+                                          </p:val>
+                                        </p:tav>
+                                      </p:tavLst>
+                                    </p:anim>
+                                    <p:anim calcmode="lin" valueType="num">
+                                      <p:cBhvr additive="base">
+                                        <p:cTn id="23" dur="1000" fill="hold"/>
+                                        <p:tgtEl>
+                                          <p:spTgt spid="7"/>
+                                        </p:tgtEl>
+                                        <p:attrNameLst>
+                                          <p:attrName>ppt_y</p:attrName>
+                                        </p:attrNameLst>
+                                      </p:cBhvr>
+                                      <p:tavLst>
+                                        <p:tav tm="0">
+                                          <p:val>
+                                            <p:strVal val="1+#ppt_h/2"/>
+                                          </p:val>
+                                        </p:tav>
+                                        <p:tav tm="100000">
+                                          <p:val>
+                                            <p:strVal val="#ppt_y"/>
+                                          </p:val>
+                                        </p:tav>
+                                      </p:tavLst>
+                                    </p:anim>
                                   </p:childTnLst>
                                 </p:cTn>
                               </p:par>
                             </p:childTnLst>
                           </p:cTn>
                         </p:par>
-                      </p:childTnLst>
-                    </p:cTn>
-                  </p:par>
-                  <p:par>
-                    <p:cTn id="13" fill="hold">
-                      <p:stCondLst>
-                        <p:cond delay="indefinite"/>
-                      </p:stCondLst>
-                      <p:childTnLst>
                         <p:par>
-                          <p:cTn id="14" fill="hold">
+                          <p:cTn id="24" fill="hold">
                             <p:stCondLst>
-                              <p:cond delay="0"/>
+                              <p:cond delay="4000"/>
                             </p:stCondLst>
                             <p:childTnLst>
                               <p:par>
-                                <p:cTn id="15" presetID="10" presetClass="entr" presetSubtype="0" fill="hold" nodeType="clickEffect">
+                                <p:cTn id="25" presetID="2" presetClass="entr" presetSubtype="4" fill="hold" nodeType="afterEffect">
                                   <p:stCondLst>
                                     <p:cond delay="0"/>
                                   </p:stCondLst>
                                   <p:childTnLst>
                                     <p:set>
                                       <p:cBhvr>
-                                        <p:cTn id="16" dur="1" fill="hold">
+                                        <p:cTn id="26" dur="1" fill="hold">
                                           <p:stCondLst>
                                             <p:cond delay="0"/>
                                           </p:stCondLst>
@@ -4981,26 +5272,319 @@
                                         <p:strVal val="visible"/>
                                       </p:to>
                                     </p:set>
-                                    <p:animEffect transition="in" filter="fade">
-                                      <p:cBhvr>
-                                        <p:cTn id="17" dur="500"/>
+                                    <p:anim calcmode="lin" valueType="num">
+                                      <p:cBhvr additive="base">
+                                        <p:cTn id="27" dur="1000" fill="hold"/>
                                         <p:tgtEl>
                                           <p:spTgt spid="8"/>
                                         </p:tgtEl>
+                                        <p:attrNameLst>
+                                          <p:attrName>ppt_x</p:attrName>
+                                        </p:attrNameLst>
                                       </p:cBhvr>
-                                    </p:animEffect>
+                                      <p:tavLst>
+                                        <p:tav tm="0">
+                                          <p:val>
+                                            <p:strVal val="#ppt_x"/>
+                                          </p:val>
+                                        </p:tav>
+                                        <p:tav tm="100000">
+                                          <p:val>
+                                            <p:strVal val="#ppt_x"/>
+                                          </p:val>
+                                        </p:tav>
+                                      </p:tavLst>
+                                    </p:anim>
+                                    <p:anim calcmode="lin" valueType="num">
+                                      <p:cBhvr additive="base">
+                                        <p:cTn id="28" dur="1000" fill="hold"/>
+                                        <p:tgtEl>
+                                          <p:spTgt spid="8"/>
+                                        </p:tgtEl>
+                                        <p:attrNameLst>
+                                          <p:attrName>ppt_y</p:attrName>
+                                        </p:attrNameLst>
+                                      </p:cBhvr>
+                                      <p:tavLst>
+                                        <p:tav tm="0">
+                                          <p:val>
+                                            <p:strVal val="1+#ppt_h/2"/>
+                                          </p:val>
+                                        </p:tav>
+                                        <p:tav tm="100000">
+                                          <p:val>
+                                            <p:strVal val="#ppt_y"/>
+                                          </p:val>
+                                        </p:tav>
+                                      </p:tavLst>
+                                    </p:anim>
                                   </p:childTnLst>
                                 </p:cTn>
                               </p:par>
+                            </p:childTnLst>
+                          </p:cTn>
+                        </p:par>
+                        <p:par>
+                          <p:cTn id="29" fill="hold">
+                            <p:stCondLst>
+                              <p:cond delay="5000"/>
+                            </p:stCondLst>
+                            <p:childTnLst>
                               <p:par>
-                                <p:cTn id="18" presetID="10" presetClass="entr" presetSubtype="0" fill="hold" nodeType="withEffect">
+                                <p:cTn id="30" presetID="2" presetClass="entr" presetSubtype="4" fill="hold" nodeType="afterEffect">
                                   <p:stCondLst>
                                     <p:cond delay="0"/>
                                   </p:stCondLst>
                                   <p:childTnLst>
                                     <p:set>
                                       <p:cBhvr>
-                                        <p:cTn id="19" dur="1" fill="hold">
+                                        <p:cTn id="31" dur="1" fill="hold">
+                                          <p:stCondLst>
+                                            <p:cond delay="0"/>
+                                          </p:stCondLst>
+                                        </p:cTn>
+                                        <p:tgtEl>
+                                          <p:spTgt spid="10"/>
+                                        </p:tgtEl>
+                                        <p:attrNameLst>
+                                          <p:attrName>style.visibility</p:attrName>
+                                        </p:attrNameLst>
+                                      </p:cBhvr>
+                                      <p:to>
+                                        <p:strVal val="visible"/>
+                                      </p:to>
+                                    </p:set>
+                                    <p:anim calcmode="lin" valueType="num">
+                                      <p:cBhvr additive="base">
+                                        <p:cTn id="32" dur="1000" fill="hold"/>
+                                        <p:tgtEl>
+                                          <p:spTgt spid="10"/>
+                                        </p:tgtEl>
+                                        <p:attrNameLst>
+                                          <p:attrName>ppt_x</p:attrName>
+                                        </p:attrNameLst>
+                                      </p:cBhvr>
+                                      <p:tavLst>
+                                        <p:tav tm="0">
+                                          <p:val>
+                                            <p:strVal val="#ppt_x"/>
+                                          </p:val>
+                                        </p:tav>
+                                        <p:tav tm="100000">
+                                          <p:val>
+                                            <p:strVal val="#ppt_x"/>
+                                          </p:val>
+                                        </p:tav>
+                                      </p:tavLst>
+                                    </p:anim>
+                                    <p:anim calcmode="lin" valueType="num">
+                                      <p:cBhvr additive="base">
+                                        <p:cTn id="33" dur="1000" fill="hold"/>
+                                        <p:tgtEl>
+                                          <p:spTgt spid="10"/>
+                                        </p:tgtEl>
+                                        <p:attrNameLst>
+                                          <p:attrName>ppt_y</p:attrName>
+                                        </p:attrNameLst>
+                                      </p:cBhvr>
+                                      <p:tavLst>
+                                        <p:tav tm="0">
+                                          <p:val>
+                                            <p:strVal val="1+#ppt_h/2"/>
+                                          </p:val>
+                                        </p:tav>
+                                        <p:tav tm="100000">
+                                          <p:val>
+                                            <p:strVal val="#ppt_y"/>
+                                          </p:val>
+                                        </p:tav>
+                                      </p:tavLst>
+                                    </p:anim>
+                                  </p:childTnLst>
+                                </p:cTn>
+                              </p:par>
+                            </p:childTnLst>
+                          </p:cTn>
+                        </p:par>
+                        <p:par>
+                          <p:cTn id="34" fill="hold">
+                            <p:stCondLst>
+                              <p:cond delay="6000"/>
+                            </p:stCondLst>
+                            <p:childTnLst>
+                              <p:par>
+                                <p:cTn id="35" presetID="2" presetClass="entr" presetSubtype="4" fill="hold" nodeType="afterEffect">
+                                  <p:stCondLst>
+                                    <p:cond delay="0"/>
+                                  </p:stCondLst>
+                                  <p:childTnLst>
+                                    <p:set>
+                                      <p:cBhvr>
+                                        <p:cTn id="36" dur="1" fill="hold">
+                                          <p:stCondLst>
+                                            <p:cond delay="0"/>
+                                          </p:stCondLst>
+                                        </p:cTn>
+                                        <p:tgtEl>
+                                          <p:spTgt spid="2"/>
+                                        </p:tgtEl>
+                                        <p:attrNameLst>
+                                          <p:attrName>style.visibility</p:attrName>
+                                        </p:attrNameLst>
+                                      </p:cBhvr>
+                                      <p:to>
+                                        <p:strVal val="visible"/>
+                                      </p:to>
+                                    </p:set>
+                                    <p:anim calcmode="lin" valueType="num">
+                                      <p:cBhvr additive="base">
+                                        <p:cTn id="37" dur="1000" fill="hold"/>
+                                        <p:tgtEl>
+                                          <p:spTgt spid="2"/>
+                                        </p:tgtEl>
+                                        <p:attrNameLst>
+                                          <p:attrName>ppt_x</p:attrName>
+                                        </p:attrNameLst>
+                                      </p:cBhvr>
+                                      <p:tavLst>
+                                        <p:tav tm="0">
+                                          <p:val>
+                                            <p:strVal val="#ppt_x"/>
+                                          </p:val>
+                                        </p:tav>
+                                        <p:tav tm="100000">
+                                          <p:val>
+                                            <p:strVal val="#ppt_x"/>
+                                          </p:val>
+                                        </p:tav>
+                                      </p:tavLst>
+                                    </p:anim>
+                                    <p:anim calcmode="lin" valueType="num">
+                                      <p:cBhvr additive="base">
+                                        <p:cTn id="38" dur="1000" fill="hold"/>
+                                        <p:tgtEl>
+                                          <p:spTgt spid="2"/>
+                                        </p:tgtEl>
+                                        <p:attrNameLst>
+                                          <p:attrName>ppt_y</p:attrName>
+                                        </p:attrNameLst>
+                                      </p:cBhvr>
+                                      <p:tavLst>
+                                        <p:tav tm="0">
+                                          <p:val>
+                                            <p:strVal val="1+#ppt_h/2"/>
+                                          </p:val>
+                                        </p:tav>
+                                        <p:tav tm="100000">
+                                          <p:val>
+                                            <p:strVal val="#ppt_y"/>
+                                          </p:val>
+                                        </p:tav>
+                                      </p:tavLst>
+                                    </p:anim>
+                                  </p:childTnLst>
+                                </p:cTn>
+                              </p:par>
+                            </p:childTnLst>
+                          </p:cTn>
+                        </p:par>
+                        <p:par>
+                          <p:cTn id="39" fill="hold">
+                            <p:stCondLst>
+                              <p:cond delay="7000"/>
+                            </p:stCondLst>
+                            <p:childTnLst>
+                              <p:par>
+                                <p:cTn id="40" presetID="2" presetClass="entr" presetSubtype="4" fill="hold" nodeType="afterEffect">
+                                  <p:stCondLst>
+                                    <p:cond delay="0"/>
+                                  </p:stCondLst>
+                                  <p:childTnLst>
+                                    <p:set>
+                                      <p:cBhvr>
+                                        <p:cTn id="41" dur="1" fill="hold">
+                                          <p:stCondLst>
+                                            <p:cond delay="0"/>
+                                          </p:stCondLst>
+                                        </p:cTn>
+                                        <p:tgtEl>
+                                          <p:spTgt spid="15"/>
+                                        </p:tgtEl>
+                                        <p:attrNameLst>
+                                          <p:attrName>style.visibility</p:attrName>
+                                        </p:attrNameLst>
+                                      </p:cBhvr>
+                                      <p:to>
+                                        <p:strVal val="visible"/>
+                                      </p:to>
+                                    </p:set>
+                                    <p:anim calcmode="lin" valueType="num">
+                                      <p:cBhvr additive="base">
+                                        <p:cTn id="42" dur="1000" fill="hold"/>
+                                        <p:tgtEl>
+                                          <p:spTgt spid="15"/>
+                                        </p:tgtEl>
+                                        <p:attrNameLst>
+                                          <p:attrName>ppt_x</p:attrName>
+                                        </p:attrNameLst>
+                                      </p:cBhvr>
+                                      <p:tavLst>
+                                        <p:tav tm="0">
+                                          <p:val>
+                                            <p:strVal val="#ppt_x"/>
+                                          </p:val>
+                                        </p:tav>
+                                        <p:tav tm="100000">
+                                          <p:val>
+                                            <p:strVal val="#ppt_x"/>
+                                          </p:val>
+                                        </p:tav>
+                                      </p:tavLst>
+                                    </p:anim>
+                                    <p:anim calcmode="lin" valueType="num">
+                                      <p:cBhvr additive="base">
+                                        <p:cTn id="43" dur="1000" fill="hold"/>
+                                        <p:tgtEl>
+                                          <p:spTgt spid="15"/>
+                                        </p:tgtEl>
+                                        <p:attrNameLst>
+                                          <p:attrName>ppt_y</p:attrName>
+                                        </p:attrNameLst>
+                                      </p:cBhvr>
+                                      <p:tavLst>
+                                        <p:tav tm="0">
+                                          <p:val>
+                                            <p:strVal val="1+#ppt_h/2"/>
+                                          </p:val>
+                                        </p:tav>
+                                        <p:tav tm="100000">
+                                          <p:val>
+                                            <p:strVal val="#ppt_y"/>
+                                          </p:val>
+                                        </p:tav>
+                                      </p:tavLst>
+                                    </p:anim>
+                                  </p:childTnLst>
+                                </p:cTn>
+                              </p:par>
+                            </p:childTnLst>
+                          </p:cTn>
+                        </p:par>
+                        <p:par>
+                          <p:cTn id="44" fill="hold">
+                            <p:stCondLst>
+                              <p:cond delay="8000"/>
+                            </p:stCondLst>
+                            <p:childTnLst>
+                              <p:par>
+                                <p:cTn id="45" presetID="2" presetClass="entr" presetSubtype="4" fill="hold" nodeType="afterEffect">
+                                  <p:stCondLst>
+                                    <p:cond delay="0"/>
+                                  </p:stCondLst>
+                                  <p:childTnLst>
+                                    <p:set>
+                                      <p:cBhvr>
+                                        <p:cTn id="46" dur="1" fill="hold">
                                           <p:stCondLst>
                                             <p:cond delay="0"/>
                                           </p:stCondLst>
@@ -5016,67 +5600,52 @@
                                         <p:strVal val="visible"/>
                                       </p:to>
                                     </p:set>
-                                    <p:animEffect transition="in" filter="fade">
-                                      <p:cBhvr>
-                                        <p:cTn id="20" dur="500"/>
+                                    <p:anim calcmode="lin" valueType="num">
+                                      <p:cBhvr additive="base">
+                                        <p:cTn id="47" dur="1000" fill="hold"/>
                                         <p:tgtEl>
                                           <p:spTgt spid="9"/>
                                         </p:tgtEl>
+                                        <p:attrNameLst>
+                                          <p:attrName>ppt_x</p:attrName>
+                                        </p:attrNameLst>
                                       </p:cBhvr>
-                                    </p:animEffect>
-                                  </p:childTnLst>
-                                </p:cTn>
-                              </p:par>
-                            </p:childTnLst>
-                          </p:cTn>
-                        </p:par>
-                      </p:childTnLst>
-                    </p:cTn>
-                  </p:par>
-                  <p:par>
-                    <p:cTn id="21" fill="hold">
-                      <p:stCondLst>
-                        <p:cond delay="indefinite"/>
-                      </p:stCondLst>
-                      <p:childTnLst>
-                        <p:par>
-                          <p:cTn id="22" fill="hold">
-                            <p:stCondLst>
-                              <p:cond delay="0"/>
-                            </p:stCondLst>
-                            <p:childTnLst>
-                              <p:par>
-                                <p:cTn id="23" presetID="10" presetClass="entr" presetSubtype="0" fill="hold" nodeType="clickEffect">
-                                  <p:stCondLst>
-                                    <p:cond delay="0"/>
-                                  </p:stCondLst>
-                                  <p:childTnLst>
-                                    <p:set>
-                                      <p:cBhvr>
-                                        <p:cTn id="24" dur="1" fill="hold">
-                                          <p:stCondLst>
-                                            <p:cond delay="0"/>
-                                          </p:stCondLst>
-                                        </p:cTn>
+                                      <p:tavLst>
+                                        <p:tav tm="0">
+                                          <p:val>
+                                            <p:strVal val="#ppt_x"/>
+                                          </p:val>
+                                        </p:tav>
+                                        <p:tav tm="100000">
+                                          <p:val>
+                                            <p:strVal val="#ppt_x"/>
+                                          </p:val>
+                                        </p:tav>
+                                      </p:tavLst>
+                                    </p:anim>
+                                    <p:anim calcmode="lin" valueType="num">
+                                      <p:cBhvr additive="base">
+                                        <p:cTn id="48" dur="1000" fill="hold"/>
                                         <p:tgtEl>
-                                          <p:spTgt spid="10"/>
+                                          <p:spTgt spid="9"/>
                                         </p:tgtEl>
                                         <p:attrNameLst>
-                                          <p:attrName>style.visibility</p:attrName>
+                                          <p:attrName>ppt_y</p:attrName>
                                         </p:attrNameLst>
                                       </p:cBhvr>
-                                      <p:to>
-                                        <p:strVal val="visible"/>
-                                      </p:to>
-                                    </p:set>
-                                    <p:animEffect transition="in" filter="fade">
-                                      <p:cBhvr>
-                                        <p:cTn id="25" dur="500"/>
-                                        <p:tgtEl>
-                                          <p:spTgt spid="10"/>
-                                        </p:tgtEl>
-                                      </p:cBhvr>
-                                    </p:animEffect>
+                                      <p:tavLst>
+                                        <p:tav tm="0">
+                                          <p:val>
+                                            <p:strVal val="1+#ppt_h/2"/>
+                                          </p:val>
+                                        </p:tav>
+                                        <p:tav tm="100000">
+                                          <p:val>
+                                            <p:strVal val="#ppt_y"/>
+                                          </p:val>
+                                        </p:tav>
+                                      </p:tavLst>
+                                    </p:anim>
                                   </p:childTnLst>
                                 </p:cTn>
                               </p:par>
@@ -5140,8 +5709,8 @@
         </p:nvSpPr>
         <p:spPr>
           <a:xfrm>
-            <a:off x="628650" y="787077"/>
-            <a:ext cx="7886700" cy="480939"/>
+            <a:off x="628650" y="942535"/>
+            <a:ext cx="7886700" cy="601309"/>
           </a:xfrm>
         </p:spPr>
         <p:txBody>
@@ -5187,11 +5756,7 @@
           <a:p>
             <a:r>
               <a:rPr lang="hu-HU" dirty="0" smtClean="0"/>
-              <a:t>kérdések </a:t>
-            </a:r>
-            <a:r>
-              <a:rPr lang="hu-HU" dirty="0" smtClean="0"/>
-              <a:t>sokasága</a:t>
+              <a:t>kérdések sokasága</a:t>
             </a:r>
             <a:endParaRPr lang="hu-HU" b="1" dirty="0">
               <a:latin typeface="+mj-lt"/>
@@ -5277,8 +5842,8 @@
         </p:nvSpPr>
         <p:spPr>
           <a:xfrm>
-            <a:off x="628650" y="775503"/>
-            <a:ext cx="7886700" cy="492513"/>
+            <a:off x="628650" y="942535"/>
+            <a:ext cx="7886700" cy="562708"/>
           </a:xfrm>
         </p:spPr>
         <p:txBody>
@@ -5318,9 +5883,20 @@
           <a:lstStyle/>
           <a:p>
             <a:r>
+              <a:rPr lang="hu-HU" dirty="0"/>
+              <a:t>regisztráció</a:t>
+            </a:r>
+          </a:p>
+          <a:p>
+            <a:r>
+              <a:rPr lang="hu-HU" dirty="0"/>
+              <a:t>bejelentkezett felhasználók </a:t>
+            </a:r>
+            <a:r>
               <a:rPr lang="hu-HU" dirty="0" smtClean="0"/>
-              <a:t>regisztráció</a:t>
-            </a:r>
+              <a:t>kezelése</a:t>
+            </a:r>
+            <a:endParaRPr lang="hu-HU" dirty="0" smtClean="0"/>
           </a:p>
           <a:p>
             <a:r>
@@ -5331,17 +5907,11 @@
           <a:p>
             <a:r>
               <a:rPr lang="hu-HU" dirty="0" smtClean="0"/>
-              <a:t>távoli kommunikáció</a:t>
-            </a:r>
-          </a:p>
-          <a:p>
-            <a:r>
-              <a:rPr lang="hu-HU" dirty="0"/>
-              <a:t>bejelentkezett felhasználók </a:t>
+              <a:t>távoli </a:t>
             </a:r>
             <a:r>
               <a:rPr lang="hu-HU" dirty="0" smtClean="0"/>
-              <a:t>kezelése</a:t>
+              <a:t>kommunikáció</a:t>
             </a:r>
             <a:endParaRPr lang="hu-HU" dirty="0"/>
           </a:p>
@@ -5371,7 +5941,7 @@
         </p:blipFill>
         <p:spPr>
           <a:xfrm>
-            <a:off x="5307788" y="1370013"/>
+            <a:off x="5490668" y="1505243"/>
             <a:ext cx="2528924" cy="3262312"/>
           </a:xfrm>
         </p:spPr>
@@ -5425,8 +5995,8 @@
         </p:nvSpPr>
         <p:spPr>
           <a:xfrm>
-            <a:off x="628650" y="775503"/>
-            <a:ext cx="7886700" cy="492513"/>
+            <a:off x="628650" y="970671"/>
+            <a:ext cx="7886700" cy="506437"/>
           </a:xfrm>
         </p:spPr>
         <p:txBody>
@@ -5573,8 +6143,8 @@
         </p:nvSpPr>
         <p:spPr>
           <a:xfrm>
-            <a:off x="628650" y="775503"/>
-            <a:ext cx="7886700" cy="492513"/>
+            <a:off x="628650" y="956603"/>
+            <a:ext cx="7886700" cy="587241"/>
           </a:xfrm>
         </p:spPr>
         <p:txBody>
@@ -5703,8 +6273,8 @@
         </p:nvSpPr>
         <p:spPr>
           <a:xfrm>
-            <a:off x="628650" y="775503"/>
-            <a:ext cx="7886700" cy="492513"/>
+            <a:off x="628650" y="956603"/>
+            <a:ext cx="7886700" cy="520505"/>
           </a:xfrm>
         </p:spPr>
         <p:txBody>
@@ -6375,6 +6945,15 @@
 </file>
 
 <file path=customXml/item2.xml><?xml version="1.0" encoding="utf-8"?>
+<?mso-contentType ?>
+<FormTemplates xmlns="http://schemas.microsoft.com/sharepoint/v3/contenttype/forms">
+  <Display>DocumentLibraryForm</Display>
+  <Edit>DocumentLibraryForm</Edit>
+  <New>DocumentLibraryForm</New>
+</FormTemplates>
+</file>
+
+<file path=customXml/item3.xml><?xml version="1.0" encoding="utf-8"?>
 <ct:contentTypeSchema xmlns:ct="http://schemas.microsoft.com/office/2006/metadata/contentType" xmlns:ma="http://schemas.microsoft.com/office/2006/metadata/properties/metaAttributes" ct:_="" ma:_="" ma:contentTypeName="Dokumentum" ma:contentTypeID="0x010100AC862C676857C24E8FC2D32B30708833" ma:contentTypeVersion="2" ma:contentTypeDescription="Új dokumentum létrehozása." ma:contentTypeScope="" ma:versionID="0d2981163f66270cf1daba8c3c407cc5">
   <xsd:schema xmlns:xsd="http://www.w3.org/2001/XMLSchema" xmlns:xs="http://www.w3.org/2001/XMLSchema" xmlns:p="http://schemas.microsoft.com/office/2006/metadata/properties" xmlns:ns2="9a324a02-be43-499b-8089-7896e70993e7" targetNamespace="http://schemas.microsoft.com/office/2006/metadata/properties" ma:root="true" ma:fieldsID="4ce273e9ed9981a51826152e27a7d1ee" ns2:_="">
     <xsd:import namespace="9a324a02-be43-499b-8089-7896e70993e7"/>
@@ -6522,15 +7101,6 @@
 </ct:contentTypeSchema>
 </file>
 
-<file path=customXml/item3.xml><?xml version="1.0" encoding="utf-8"?>
-<?mso-contentType ?>
-<FormTemplates xmlns="http://schemas.microsoft.com/sharepoint/v3/contenttype/forms">
-  <Display>DocumentLibraryForm</Display>
-  <Edit>DocumentLibraryForm</Edit>
-  <New>DocumentLibraryForm</New>
-</FormTemplates>
-</file>
-
 <file path=customXml/itemProps1.xml><?xml version="1.0" encoding="utf-8"?>
 <ds:datastoreItem xmlns:ds="http://schemas.openxmlformats.org/officeDocument/2006/customXml" ds:itemID="{8E1455B4-EFFE-4AEE-ADC2-FE51D16F6234}">
   <ds:schemaRefs>
@@ -6548,6 +7118,14 @@
 </file>
 
 <file path=customXml/itemProps2.xml><?xml version="1.0" encoding="utf-8"?>
+<ds:datastoreItem xmlns:ds="http://schemas.openxmlformats.org/officeDocument/2006/customXml" ds:itemID="{166AD069-051C-46FD-A0CD-BDE143FEA57D}">
+  <ds:schemaRefs>
+    <ds:schemaRef ds:uri="http://schemas.microsoft.com/sharepoint/v3/contenttype/forms"/>
+  </ds:schemaRefs>
+</ds:datastoreItem>
+</file>
+
+<file path=customXml/itemProps3.xml><?xml version="1.0" encoding="utf-8"?>
 <ds:datastoreItem xmlns:ds="http://schemas.openxmlformats.org/officeDocument/2006/customXml" ds:itemID="{37D0467E-9D91-4319-91FD-90E168EBF15D}">
   <ds:schemaRefs>
     <ds:schemaRef ds:uri="http://schemas.microsoft.com/office/2006/metadata/contentType"/>
@@ -6563,12 +7141,4 @@
     <ds:schemaRef ds:uri="http://schemas.microsoft.com/internal/obd"/>
   </ds:schemaRefs>
 </ds:datastoreItem>
-</file>
-
-<file path=customXml/itemProps3.xml><?xml version="1.0" encoding="utf-8"?>
-<ds:datastoreItem xmlns:ds="http://schemas.openxmlformats.org/officeDocument/2006/customXml" ds:itemID="{166AD069-051C-46FD-A0CD-BDE143FEA57D}">
-  <ds:schemaRefs>
-    <ds:schemaRef ds:uri="http://schemas.microsoft.com/sharepoint/v3/contenttype/forms"/>
-  </ds:schemaRefs>
-</ds:datastoreItem>
 </file>